--- a/授業資料/演習課題：継承.pptx
+++ b/授業資料/演習課題：継承.pptx
@@ -5151,6 +5151,73 @@
               </a:rPr>
               <a:t> main() {</a:t>
             </a:r>
+            <a:r>
+              <a:rPr lang="ja-JP" altLang="en-US" sz="2400" dirty="0">
+                <a:solidFill>
+                  <a:srgbClr val="000000"/>
+                </a:solidFill>
+                <a:latin typeface="+mj-lt"/>
+                <a:ea typeface="ＭＳ ゴシック" panose="020B0609070205080204" pitchFamily="49" charset="-128"/>
+              </a:rPr>
+              <a:t>                  </a:t>
+            </a:r>
+            <a:r>
+              <a:rPr lang="en-US" altLang="ja-JP" sz="2400" dirty="0">
+                <a:solidFill>
+                  <a:srgbClr val="000000"/>
+                </a:solidFill>
+                <a:latin typeface="+mj-lt"/>
+                <a:ea typeface="ＭＳ ゴシック" panose="020B0609070205080204" pitchFamily="49" charset="-128"/>
+              </a:rPr>
+              <a:t>//Hp  </a:t>
+            </a:r>
+            <a:r>
+              <a:rPr lang="en-US" altLang="ja-JP" sz="2400" dirty="0" err="1">
+                <a:solidFill>
+                  <a:srgbClr val="000000"/>
+                </a:solidFill>
+                <a:latin typeface="+mj-lt"/>
+                <a:ea typeface="ＭＳ ゴシック" panose="020B0609070205080204" pitchFamily="49" charset="-128"/>
+              </a:rPr>
+              <a:t>Atk</a:t>
+            </a:r>
+            <a:r>
+              <a:rPr lang="en-US" altLang="ja-JP" sz="2400" dirty="0">
+                <a:solidFill>
+                  <a:srgbClr val="000000"/>
+                </a:solidFill>
+                <a:latin typeface="+mj-lt"/>
+                <a:ea typeface="ＭＳ ゴシック" panose="020B0609070205080204" pitchFamily="49" charset="-128"/>
+              </a:rPr>
+              <a:t> Def  </a:t>
+            </a:r>
+            <a:r>
+              <a:rPr lang="en-US" altLang="ja-JP" sz="2400" dirty="0" err="1">
+                <a:solidFill>
+                  <a:srgbClr val="000000"/>
+                </a:solidFill>
+                <a:latin typeface="+mj-lt"/>
+                <a:ea typeface="ＭＳ ゴシック" panose="020B0609070205080204" pitchFamily="49" charset="-128"/>
+              </a:rPr>
+              <a:t>Sp</a:t>
+            </a:r>
+            <a:r>
+              <a:rPr lang="ja-JP" altLang="en-US" sz="2400" dirty="0">
+                <a:solidFill>
+                  <a:srgbClr val="000000"/>
+                </a:solidFill>
+                <a:latin typeface="+mj-lt"/>
+                <a:ea typeface="ＭＳ ゴシック" panose="020B0609070205080204" pitchFamily="49" charset="-128"/>
+              </a:rPr>
+              <a:t> </a:t>
+            </a:r>
+            <a:endParaRPr lang="en-US" altLang="ja-JP" sz="2400" dirty="0">
+              <a:solidFill>
+                <a:srgbClr val="000000"/>
+              </a:solidFill>
+              <a:latin typeface="+mj-lt"/>
+              <a:ea typeface="ＭＳ ゴシック" panose="020B0609070205080204" pitchFamily="49" charset="-128"/>
+            </a:endParaRPr>
           </a:p>
           <a:p>
             <a:r>
@@ -6055,8 +6122,8 @@
         </p:blipFill>
         <p:spPr>
           <a:xfrm>
-            <a:off x="7086618" y="0"/>
-            <a:ext cx="4766527" cy="3431514"/>
+            <a:off x="7558229" y="0"/>
+            <a:ext cx="4294916" cy="3091992"/>
           </a:xfrm>
           <a:prstGeom prst="rect">
             <a:avLst/>

--- a/授業資料/演習課題：継承.pptx
+++ b/授業資料/演習課題：継承.pptx
@@ -3446,18 +3446,11 @@
             </a:r>
             <a:r>
               <a:rPr lang="ja-JP" altLang="en-US" dirty="0"/>
-              <a:t>フォルダを作成</a:t>
-            </a:r>
-            <a:br>
-              <a:rPr lang="en-US" altLang="ja-JP" dirty="0"/>
-            </a:br>
-            <a:r>
-              <a:rPr lang="en-US" altLang="ja-JP" dirty="0">
-                <a:solidFill>
-                  <a:srgbClr val="0070C0"/>
-                </a:solidFill>
-              </a:rPr>
-              <a:t>cd ..</a:t>
+              <a:t>フォルダ</a:t>
+            </a:r>
+            <a:r>
+              <a:rPr lang="ja-JP" altLang="en-US"/>
+              <a:t>を作成</a:t>
             </a:r>
             <a:br>
               <a:rPr lang="en-US" altLang="ja-JP" dirty="0">

--- a/授業資料/演習課題：継承.pptx
+++ b/授業資料/演習課題：継承.pptx
@@ -257,7 +257,7 @@
           <a:p>
             <a:fld id="{5B96D3F8-CD2E-4A0D-AC38-517181EABB18}" type="datetimeFigureOut">
               <a:rPr kumimoji="1" lang="ja-JP" altLang="en-US" smtClean="0"/>
-              <a:t>2024/9/30</a:t>
+              <a:t>2024/10/3</a:t>
             </a:fld>
             <a:endParaRPr kumimoji="1" lang="ja-JP" altLang="en-US"/>
           </a:p>
@@ -459,7 +459,7 @@
           <a:p>
             <a:fld id="{5B96D3F8-CD2E-4A0D-AC38-517181EABB18}" type="datetimeFigureOut">
               <a:rPr kumimoji="1" lang="ja-JP" altLang="en-US" smtClean="0"/>
-              <a:t>2024/9/30</a:t>
+              <a:t>2024/10/3</a:t>
             </a:fld>
             <a:endParaRPr kumimoji="1" lang="ja-JP" altLang="en-US"/>
           </a:p>
@@ -671,7 +671,7 @@
           <a:p>
             <a:fld id="{5B96D3F8-CD2E-4A0D-AC38-517181EABB18}" type="datetimeFigureOut">
               <a:rPr kumimoji="1" lang="ja-JP" altLang="en-US" smtClean="0"/>
-              <a:t>2024/9/30</a:t>
+              <a:t>2024/10/3</a:t>
             </a:fld>
             <a:endParaRPr kumimoji="1" lang="ja-JP" altLang="en-US"/>
           </a:p>
@@ -873,7 +873,7 @@
           <a:p>
             <a:fld id="{5B96D3F8-CD2E-4A0D-AC38-517181EABB18}" type="datetimeFigureOut">
               <a:rPr kumimoji="1" lang="ja-JP" altLang="en-US" smtClean="0"/>
-              <a:t>2024/9/30</a:t>
+              <a:t>2024/10/3</a:t>
             </a:fld>
             <a:endParaRPr kumimoji="1" lang="ja-JP" altLang="en-US"/>
           </a:p>
@@ -1119,7 +1119,7 @@
           <a:p>
             <a:fld id="{5B96D3F8-CD2E-4A0D-AC38-517181EABB18}" type="datetimeFigureOut">
               <a:rPr kumimoji="1" lang="ja-JP" altLang="en-US" smtClean="0"/>
-              <a:t>2024/9/30</a:t>
+              <a:t>2024/10/3</a:t>
             </a:fld>
             <a:endParaRPr kumimoji="1" lang="ja-JP" altLang="en-US"/>
           </a:p>
@@ -1415,7 +1415,7 @@
           <a:p>
             <a:fld id="{5B96D3F8-CD2E-4A0D-AC38-517181EABB18}" type="datetimeFigureOut">
               <a:rPr kumimoji="1" lang="ja-JP" altLang="en-US" smtClean="0"/>
-              <a:t>2024/9/30</a:t>
+              <a:t>2024/10/3</a:t>
             </a:fld>
             <a:endParaRPr kumimoji="1" lang="ja-JP" altLang="en-US"/>
           </a:p>
@@ -1846,7 +1846,7 @@
           <a:p>
             <a:fld id="{5B96D3F8-CD2E-4A0D-AC38-517181EABB18}" type="datetimeFigureOut">
               <a:rPr kumimoji="1" lang="ja-JP" altLang="en-US" smtClean="0"/>
-              <a:t>2024/9/30</a:t>
+              <a:t>2024/10/3</a:t>
             </a:fld>
             <a:endParaRPr kumimoji="1" lang="ja-JP" altLang="en-US"/>
           </a:p>
@@ -1964,7 +1964,7 @@
           <a:p>
             <a:fld id="{5B96D3F8-CD2E-4A0D-AC38-517181EABB18}" type="datetimeFigureOut">
               <a:rPr kumimoji="1" lang="ja-JP" altLang="en-US" smtClean="0"/>
-              <a:t>2024/9/30</a:t>
+              <a:t>2024/10/3</a:t>
             </a:fld>
             <a:endParaRPr kumimoji="1" lang="ja-JP" altLang="en-US"/>
           </a:p>
@@ -2059,7 +2059,7 @@
           <a:p>
             <a:fld id="{5B96D3F8-CD2E-4A0D-AC38-517181EABB18}" type="datetimeFigureOut">
               <a:rPr kumimoji="1" lang="ja-JP" altLang="en-US" smtClean="0"/>
-              <a:t>2024/9/30</a:t>
+              <a:t>2024/10/3</a:t>
             </a:fld>
             <a:endParaRPr kumimoji="1" lang="ja-JP" altLang="en-US"/>
           </a:p>
@@ -2368,7 +2368,7 @@
           <a:p>
             <a:fld id="{5B96D3F8-CD2E-4A0D-AC38-517181EABB18}" type="datetimeFigureOut">
               <a:rPr kumimoji="1" lang="ja-JP" altLang="en-US" smtClean="0"/>
-              <a:t>2024/9/30</a:t>
+              <a:t>2024/10/3</a:t>
             </a:fld>
             <a:endParaRPr kumimoji="1" lang="ja-JP" altLang="en-US"/>
           </a:p>
@@ -2625,7 +2625,7 @@
           <a:p>
             <a:fld id="{5B96D3F8-CD2E-4A0D-AC38-517181EABB18}" type="datetimeFigureOut">
               <a:rPr kumimoji="1" lang="ja-JP" altLang="en-US" smtClean="0"/>
-              <a:t>2024/9/30</a:t>
+              <a:t>2024/10/3</a:t>
             </a:fld>
             <a:endParaRPr kumimoji="1" lang="ja-JP" altLang="en-US"/>
           </a:p>
@@ -2870,7 +2870,7 @@
           <a:p>
             <a:fld id="{5B96D3F8-CD2E-4A0D-AC38-517181EABB18}" type="datetimeFigureOut">
               <a:rPr kumimoji="1" lang="ja-JP" altLang="en-US" smtClean="0"/>
-              <a:t>2024/9/30</a:t>
+              <a:t>2024/10/3</a:t>
             </a:fld>
             <a:endParaRPr kumimoji="1" lang="ja-JP" altLang="en-US"/>
           </a:p>
@@ -12377,7 +12377,7 @@
         <p:spPr>
           <a:xfrm>
             <a:off x="3433408" y="5837731"/>
-            <a:ext cx="8295861" cy="954107"/>
+            <a:ext cx="8557151" cy="954107"/>
           </a:xfrm>
           <a:prstGeom prst="rect">
             <a:avLst/>
@@ -12418,22 +12418,22 @@
                   <a:srgbClr val="00B050"/>
                 </a:solidFill>
               </a:rPr>
-              <a:t>配列要素を削除すると、要素の個数が変わるため</a:t>
-            </a:r>
-            <a:endParaRPr kumimoji="1" lang="en-US" altLang="ja-JP" sz="2800" dirty="0">
-              <a:solidFill>
-                <a:srgbClr val="00B050"/>
-              </a:solidFill>
-            </a:endParaRPr>
-          </a:p>
-          <a:p>
+              <a:t>配列の要素も併せて削除する</a:t>
+            </a:r>
+            <a:br>
+              <a:rPr kumimoji="1" lang="en-US" altLang="ja-JP" sz="2800" dirty="0">
+                <a:solidFill>
+                  <a:srgbClr val="00B050"/>
+                </a:solidFill>
+              </a:rPr>
+            </a:br>
             <a:r>
               <a:rPr kumimoji="1" lang="ja-JP" altLang="en-US" sz="2800" dirty="0">
                 <a:solidFill>
                   <a:srgbClr val="00B050"/>
                 </a:solidFill>
               </a:rPr>
-              <a:t>　　イテレータを更新しておく</a:t>
+              <a:t>　　要素の個数が変わるためイテレータを更新しておく</a:t>
             </a:r>
           </a:p>
         </p:txBody>
@@ -15045,6 +15045,18 @@
                 </a:solidFill>
               </a:rPr>
               <a:t>pPlayer</a:t>
+            </a:r>
+            <a:r>
+              <a:rPr lang="ja-JP" altLang="en-US" dirty="0">
+                <a:solidFill>
+                  <a:srgbClr val="00B050"/>
+                </a:solidFill>
+              </a:rPr>
+              <a:t>　</a:t>
+            </a:r>
+            <a:r>
+              <a:rPr lang="ja-JP" altLang="en-US" dirty="0"/>
+              <a:t>を宣言</a:t>
             </a:r>
             <a:br>
               <a:rPr lang="en-US" altLang="ja-JP" dirty="0"/>

--- a/授業資料/演習課題：継承.pptx
+++ b/授業資料/演習課題：継承.pptx
@@ -16,10 +16,11 @@
     <p:sldId id="372" r:id="rId10"/>
     <p:sldId id="373" r:id="rId11"/>
     <p:sldId id="374" r:id="rId12"/>
-    <p:sldId id="375" r:id="rId13"/>
-    <p:sldId id="376" r:id="rId14"/>
-    <p:sldId id="377" r:id="rId15"/>
-    <p:sldId id="378" r:id="rId16"/>
+    <p:sldId id="379" r:id="rId13"/>
+    <p:sldId id="375" r:id="rId14"/>
+    <p:sldId id="376" r:id="rId15"/>
+    <p:sldId id="377" r:id="rId16"/>
+    <p:sldId id="378" r:id="rId17"/>
   </p:sldIdLst>
   <p:sldSz cx="12192000" cy="6858000"/>
   <p:notesSz cx="6858000" cy="9144000"/>
@@ -257,7 +258,7 @@
           <a:p>
             <a:fld id="{5B96D3F8-CD2E-4A0D-AC38-517181EABB18}" type="datetimeFigureOut">
               <a:rPr kumimoji="1" lang="ja-JP" altLang="en-US" smtClean="0"/>
-              <a:t>2024/10/3</a:t>
+              <a:t>2024/10/8</a:t>
             </a:fld>
             <a:endParaRPr kumimoji="1" lang="ja-JP" altLang="en-US"/>
           </a:p>
@@ -459,7 +460,7 @@
           <a:p>
             <a:fld id="{5B96D3F8-CD2E-4A0D-AC38-517181EABB18}" type="datetimeFigureOut">
               <a:rPr kumimoji="1" lang="ja-JP" altLang="en-US" smtClean="0"/>
-              <a:t>2024/10/3</a:t>
+              <a:t>2024/10/8</a:t>
             </a:fld>
             <a:endParaRPr kumimoji="1" lang="ja-JP" altLang="en-US"/>
           </a:p>
@@ -671,7 +672,7 @@
           <a:p>
             <a:fld id="{5B96D3F8-CD2E-4A0D-AC38-517181EABB18}" type="datetimeFigureOut">
               <a:rPr kumimoji="1" lang="ja-JP" altLang="en-US" smtClean="0"/>
-              <a:t>2024/10/3</a:t>
+              <a:t>2024/10/8</a:t>
             </a:fld>
             <a:endParaRPr kumimoji="1" lang="ja-JP" altLang="en-US"/>
           </a:p>
@@ -873,7 +874,7 @@
           <a:p>
             <a:fld id="{5B96D3F8-CD2E-4A0D-AC38-517181EABB18}" type="datetimeFigureOut">
               <a:rPr kumimoji="1" lang="ja-JP" altLang="en-US" smtClean="0"/>
-              <a:t>2024/10/3</a:t>
+              <a:t>2024/10/8</a:t>
             </a:fld>
             <a:endParaRPr kumimoji="1" lang="ja-JP" altLang="en-US"/>
           </a:p>
@@ -1119,7 +1120,7 @@
           <a:p>
             <a:fld id="{5B96D3F8-CD2E-4A0D-AC38-517181EABB18}" type="datetimeFigureOut">
               <a:rPr kumimoji="1" lang="ja-JP" altLang="en-US" smtClean="0"/>
-              <a:t>2024/10/3</a:t>
+              <a:t>2024/10/8</a:t>
             </a:fld>
             <a:endParaRPr kumimoji="1" lang="ja-JP" altLang="en-US"/>
           </a:p>
@@ -1415,7 +1416,7 @@
           <a:p>
             <a:fld id="{5B96D3F8-CD2E-4A0D-AC38-517181EABB18}" type="datetimeFigureOut">
               <a:rPr kumimoji="1" lang="ja-JP" altLang="en-US" smtClean="0"/>
-              <a:t>2024/10/3</a:t>
+              <a:t>2024/10/8</a:t>
             </a:fld>
             <a:endParaRPr kumimoji="1" lang="ja-JP" altLang="en-US"/>
           </a:p>
@@ -1846,7 +1847,7 @@
           <a:p>
             <a:fld id="{5B96D3F8-CD2E-4A0D-AC38-517181EABB18}" type="datetimeFigureOut">
               <a:rPr kumimoji="1" lang="ja-JP" altLang="en-US" smtClean="0"/>
-              <a:t>2024/10/3</a:t>
+              <a:t>2024/10/8</a:t>
             </a:fld>
             <a:endParaRPr kumimoji="1" lang="ja-JP" altLang="en-US"/>
           </a:p>
@@ -1964,7 +1965,7 @@
           <a:p>
             <a:fld id="{5B96D3F8-CD2E-4A0D-AC38-517181EABB18}" type="datetimeFigureOut">
               <a:rPr kumimoji="1" lang="ja-JP" altLang="en-US" smtClean="0"/>
-              <a:t>2024/10/3</a:t>
+              <a:t>2024/10/8</a:t>
             </a:fld>
             <a:endParaRPr kumimoji="1" lang="ja-JP" altLang="en-US"/>
           </a:p>
@@ -2059,7 +2060,7 @@
           <a:p>
             <a:fld id="{5B96D3F8-CD2E-4A0D-AC38-517181EABB18}" type="datetimeFigureOut">
               <a:rPr kumimoji="1" lang="ja-JP" altLang="en-US" smtClean="0"/>
-              <a:t>2024/10/3</a:t>
+              <a:t>2024/10/8</a:t>
             </a:fld>
             <a:endParaRPr kumimoji="1" lang="ja-JP" altLang="en-US"/>
           </a:p>
@@ -2368,7 +2369,7 @@
           <a:p>
             <a:fld id="{5B96D3F8-CD2E-4A0D-AC38-517181EABB18}" type="datetimeFigureOut">
               <a:rPr kumimoji="1" lang="ja-JP" altLang="en-US" smtClean="0"/>
-              <a:t>2024/10/3</a:t>
+              <a:t>2024/10/8</a:t>
             </a:fld>
             <a:endParaRPr kumimoji="1" lang="ja-JP" altLang="en-US"/>
           </a:p>
@@ -2625,7 +2626,7 @@
           <a:p>
             <a:fld id="{5B96D3F8-CD2E-4A0D-AC38-517181EABB18}" type="datetimeFigureOut">
               <a:rPr kumimoji="1" lang="ja-JP" altLang="en-US" smtClean="0"/>
-              <a:t>2024/10/3</a:t>
+              <a:t>2024/10/8</a:t>
             </a:fld>
             <a:endParaRPr kumimoji="1" lang="ja-JP" altLang="en-US"/>
           </a:p>
@@ -2870,7 +2871,7 @@
           <a:p>
             <a:fld id="{5B96D3F8-CD2E-4A0D-AC38-517181EABB18}" type="datetimeFigureOut">
               <a:rPr kumimoji="1" lang="ja-JP" altLang="en-US" smtClean="0"/>
-              <a:t>2024/10/3</a:t>
+              <a:t>2024/10/8</a:t>
             </a:fld>
             <a:endParaRPr kumimoji="1" lang="ja-JP" altLang="en-US"/>
           </a:p>
@@ -6902,7 +6903,7 @@
         <p:spPr>
           <a:xfrm>
             <a:off x="1048254" y="1709060"/>
-            <a:ext cx="11072409" cy="4154984"/>
+            <a:ext cx="11072409" cy="4893647"/>
           </a:xfrm>
           <a:prstGeom prst="rect">
             <a:avLst/>
@@ -6923,6 +6924,206 @@
             <a:r>
               <a:rPr lang="en-US" altLang="ja-JP" sz="2400" dirty="0">
                 <a:solidFill>
+                  <a:srgbClr val="0000FF"/>
+                </a:solidFill>
+                <a:latin typeface="+mj-lt"/>
+                <a:ea typeface="ＭＳ ゴシック" panose="020B0609070205080204" pitchFamily="49" charset="-128"/>
+              </a:rPr>
+              <a:t>int</a:t>
+            </a:r>
+            <a:r>
+              <a:rPr lang="en-US" altLang="ja-JP" sz="2400" dirty="0">
+                <a:solidFill>
+                  <a:srgbClr val="000000"/>
+                </a:solidFill>
+                <a:latin typeface="+mj-lt"/>
+                <a:ea typeface="ＭＳ ゴシック" panose="020B0609070205080204" pitchFamily="49" charset="-128"/>
+              </a:rPr>
+              <a:t> main() {</a:t>
+            </a:r>
+          </a:p>
+          <a:p>
+            <a:r>
+              <a:rPr lang="en-US" altLang="ja-JP" sz="2400" dirty="0">
+                <a:solidFill>
+                  <a:srgbClr val="2B91AF"/>
+                </a:solidFill>
+                <a:latin typeface="+mj-lt"/>
+                <a:ea typeface="ＭＳ ゴシック" panose="020B0609070205080204" pitchFamily="49" charset="-128"/>
+              </a:rPr>
+              <a:t>	vector</a:t>
+            </a:r>
+            <a:r>
+              <a:rPr lang="en-US" altLang="ja-JP" sz="2400" dirty="0">
+                <a:latin typeface="+mj-lt"/>
+                <a:ea typeface="ＭＳ ゴシック" panose="020B0609070205080204" pitchFamily="49" charset="-128"/>
+              </a:rPr>
+              <a:t>&lt;</a:t>
+            </a:r>
+            <a:r>
+              <a:rPr lang="en-US" altLang="ja-JP" sz="2400" dirty="0">
+                <a:solidFill>
+                  <a:srgbClr val="2B91AF"/>
+                </a:solidFill>
+                <a:latin typeface="+mj-lt"/>
+                <a:ea typeface="ＭＳ ゴシック" panose="020B0609070205080204" pitchFamily="49" charset="-128"/>
+              </a:rPr>
+              <a:t>Player</a:t>
+            </a:r>
+            <a:r>
+              <a:rPr lang="en-US" altLang="ja-JP" sz="2400" dirty="0">
+                <a:solidFill>
+                  <a:srgbClr val="000000"/>
+                </a:solidFill>
+                <a:latin typeface="+mj-lt"/>
+                <a:ea typeface="ＭＳ ゴシック" panose="020B0609070205080204" pitchFamily="49" charset="-128"/>
+              </a:rPr>
+              <a:t>*&gt; </a:t>
+            </a:r>
+            <a:r>
+              <a:rPr lang="en-US" altLang="ja-JP" sz="2400" dirty="0" err="1">
+                <a:solidFill>
+                  <a:srgbClr val="000000"/>
+                </a:solidFill>
+                <a:latin typeface="+mj-lt"/>
+                <a:ea typeface="ＭＳ ゴシック" panose="020B0609070205080204" pitchFamily="49" charset="-128"/>
+              </a:rPr>
+              <a:t>pPlayer</a:t>
+            </a:r>
+            <a:r>
+              <a:rPr lang="en-US" altLang="ja-JP" sz="2400" dirty="0">
+                <a:solidFill>
+                  <a:srgbClr val="000000"/>
+                </a:solidFill>
+                <a:latin typeface="+mj-lt"/>
+                <a:ea typeface="ＭＳ ゴシック" panose="020B0609070205080204" pitchFamily="49" charset="-128"/>
+              </a:rPr>
+              <a:t>{ </a:t>
+            </a:r>
+            <a:r>
+              <a:rPr lang="en-US" altLang="ja-JP" sz="2400" dirty="0">
+                <a:solidFill>
+                  <a:srgbClr val="0000FF"/>
+                </a:solidFill>
+                <a:latin typeface="+mj-lt"/>
+                <a:ea typeface="ＭＳ ゴシック" panose="020B0609070205080204" pitchFamily="49" charset="-128"/>
+              </a:rPr>
+              <a:t>new</a:t>
+            </a:r>
+            <a:r>
+              <a:rPr lang="en-US" altLang="ja-JP" sz="2400" dirty="0">
+                <a:solidFill>
+                  <a:srgbClr val="000000"/>
+                </a:solidFill>
+                <a:latin typeface="+mj-lt"/>
+                <a:ea typeface="ＭＳ ゴシック" panose="020B0609070205080204" pitchFamily="49" charset="-128"/>
+              </a:rPr>
+              <a:t> </a:t>
+            </a:r>
+            <a:r>
+              <a:rPr lang="en-US" altLang="ja-JP" sz="2400" dirty="0">
+                <a:solidFill>
+                  <a:srgbClr val="2B91AF"/>
+                </a:solidFill>
+                <a:latin typeface="+mj-lt"/>
+                <a:ea typeface="ＭＳ ゴシック" panose="020B0609070205080204" pitchFamily="49" charset="-128"/>
+              </a:rPr>
+              <a:t>Player</a:t>
+            </a:r>
+            <a:r>
+              <a:rPr lang="en-US" altLang="ja-JP" sz="2400" dirty="0">
+                <a:solidFill>
+                  <a:srgbClr val="000000"/>
+                </a:solidFill>
+                <a:latin typeface="+mj-lt"/>
+                <a:ea typeface="ＭＳ ゴシック" panose="020B0609070205080204" pitchFamily="49" charset="-128"/>
+              </a:rPr>
+              <a:t>(100, 50, 20, 30) };</a:t>
+            </a:r>
+          </a:p>
+          <a:p>
+            <a:r>
+              <a:rPr lang="en-US" altLang="ja-JP" sz="2400" dirty="0">
+                <a:solidFill>
+                  <a:srgbClr val="000000"/>
+                </a:solidFill>
+                <a:latin typeface="+mj-lt"/>
+                <a:ea typeface="ＭＳ ゴシック" panose="020B0609070205080204" pitchFamily="49" charset="-128"/>
+              </a:rPr>
+              <a:t>	</a:t>
+            </a:r>
+            <a:r>
+              <a:rPr lang="en-US" altLang="ja-JP" sz="2400" dirty="0" err="1">
+                <a:solidFill>
+                  <a:srgbClr val="000000"/>
+                </a:solidFill>
+                <a:latin typeface="+mj-lt"/>
+                <a:ea typeface="ＭＳ ゴシック" panose="020B0609070205080204" pitchFamily="49" charset="-128"/>
+              </a:rPr>
+              <a:t>pPlayer.push_back</a:t>
+            </a:r>
+            <a:r>
+              <a:rPr lang="en-US" altLang="ja-JP" sz="2400" dirty="0">
+                <a:solidFill>
+                  <a:srgbClr val="000000"/>
+                </a:solidFill>
+                <a:latin typeface="+mj-lt"/>
+                <a:ea typeface="ＭＳ ゴシック" panose="020B0609070205080204" pitchFamily="49" charset="-128"/>
+              </a:rPr>
+              <a:t>(</a:t>
+            </a:r>
+            <a:r>
+              <a:rPr lang="en-US" altLang="ja-JP" sz="2400" dirty="0">
+                <a:solidFill>
+                  <a:srgbClr val="0000FF"/>
+                </a:solidFill>
+                <a:latin typeface="+mj-lt"/>
+                <a:ea typeface="ＭＳ ゴシック" panose="020B0609070205080204" pitchFamily="49" charset="-128"/>
+              </a:rPr>
+              <a:t>new</a:t>
+            </a:r>
+            <a:r>
+              <a:rPr lang="en-US" altLang="ja-JP" sz="2400" dirty="0">
+                <a:solidFill>
+                  <a:srgbClr val="000000"/>
+                </a:solidFill>
+                <a:latin typeface="+mj-lt"/>
+                <a:ea typeface="ＭＳ ゴシック" panose="020B0609070205080204" pitchFamily="49" charset="-128"/>
+              </a:rPr>
+              <a:t> </a:t>
+            </a:r>
+            <a:r>
+              <a:rPr lang="en-US" altLang="ja-JP" sz="2400" dirty="0">
+                <a:solidFill>
+                  <a:srgbClr val="2B91AF"/>
+                </a:solidFill>
+                <a:latin typeface="+mj-lt"/>
+                <a:ea typeface="ＭＳ ゴシック" panose="020B0609070205080204" pitchFamily="49" charset="-128"/>
+              </a:rPr>
+              <a:t>Player</a:t>
+            </a:r>
+            <a:r>
+              <a:rPr lang="en-US" altLang="ja-JP" sz="2400" dirty="0">
+                <a:solidFill>
+                  <a:srgbClr val="000000"/>
+                </a:solidFill>
+                <a:latin typeface="+mj-lt"/>
+                <a:ea typeface="ＭＳ ゴシック" panose="020B0609070205080204" pitchFamily="49" charset="-128"/>
+              </a:rPr>
+              <a:t>(300, 70, 40, 50));</a:t>
+            </a:r>
+            <a:br>
+              <a:rPr lang="en-US" altLang="ja-JP" sz="2400" dirty="0">
+                <a:solidFill>
+                  <a:srgbClr val="000000"/>
+                </a:solidFill>
+                <a:latin typeface="+mj-lt"/>
+                <a:ea typeface="ＭＳ ゴシック" panose="020B0609070205080204" pitchFamily="49" charset="-128"/>
+              </a:rPr>
+            </a:br>
+            <a:r>
+              <a:rPr lang="en-US" altLang="ja-JP" sz="2400" dirty="0">
+                <a:solidFill>
                   <a:srgbClr val="000000"/>
                 </a:solidFill>
                 <a:latin typeface="+mj-lt"/>
@@ -7850,71 +8051,22 @@
                 <a:latin typeface="+mj-lt"/>
                 <a:ea typeface="ＭＳ ゴシック" panose="020B0609070205080204" pitchFamily="49" charset="-128"/>
               </a:rPr>
-              <a:t>	auto </a:t>
-            </a:r>
-            <a:r>
-              <a:rPr lang="en-US" altLang="ja-JP" sz="2400" dirty="0" err="1">
-                <a:solidFill>
-                  <a:srgbClr val="000000"/>
-                </a:solidFill>
-                <a:latin typeface="+mj-lt"/>
-                <a:ea typeface="ＭＳ ゴシック" panose="020B0609070205080204" pitchFamily="49" charset="-128"/>
-              </a:rPr>
-              <a:t>itr</a:t>
-            </a:r>
-            <a:r>
-              <a:rPr lang="en-US" altLang="ja-JP" sz="2400" dirty="0">
-                <a:solidFill>
-                  <a:srgbClr val="000000"/>
-                </a:solidFill>
-                <a:latin typeface="+mj-lt"/>
-                <a:ea typeface="ＭＳ ゴシック" panose="020B0609070205080204" pitchFamily="49" charset="-128"/>
-              </a:rPr>
-              <a:t> = </a:t>
-            </a:r>
-            <a:r>
-              <a:rPr lang="en-US" altLang="ja-JP" sz="2400" dirty="0" err="1">
-                <a:solidFill>
-                  <a:srgbClr val="000000"/>
-                </a:solidFill>
-                <a:latin typeface="+mj-lt"/>
-                <a:ea typeface="ＭＳ ゴシック" panose="020B0609070205080204" pitchFamily="49" charset="-128"/>
-              </a:rPr>
-              <a:t>pPlayer.begin</a:t>
-            </a:r>
-            <a:r>
-              <a:rPr lang="en-US" altLang="ja-JP" sz="2400" dirty="0">
-                <a:solidFill>
-                  <a:srgbClr val="000000"/>
-                </a:solidFill>
-                <a:latin typeface="+mj-lt"/>
-                <a:ea typeface="ＭＳ ゴシック" panose="020B0609070205080204" pitchFamily="49" charset="-128"/>
-              </a:rPr>
-              <a:t>();</a:t>
-            </a:r>
-            <a:br>
-              <a:rPr lang="en-US" altLang="ja-JP" sz="2400" dirty="0">
-                <a:solidFill>
-                  <a:srgbClr val="000000"/>
-                </a:solidFill>
-                <a:latin typeface="+mj-lt"/>
-                <a:ea typeface="ＭＳ ゴシック" panose="020B0609070205080204" pitchFamily="49" charset="-128"/>
-              </a:rPr>
-            </a:br>
-            <a:r>
-              <a:rPr lang="en-US" altLang="ja-JP" sz="2400" dirty="0">
-                <a:solidFill>
-                  <a:srgbClr val="000000"/>
-                </a:solidFill>
-                <a:latin typeface="+mj-lt"/>
-                <a:ea typeface="ＭＳ ゴシック" panose="020B0609070205080204" pitchFamily="49" charset="-128"/>
-              </a:rPr>
-              <a:t>	delete </a:t>
-            </a:r>
-            <a:r>
-              <a:rPr lang="en-US" altLang="ja-JP" sz="2400" dirty="0" err="1">
-                <a:solidFill>
-                  <a:srgbClr val="000000"/>
+              <a:t>	</a:t>
+            </a:r>
+            <a:r>
+              <a:rPr lang="en-US" altLang="ja-JP" sz="2400" dirty="0">
+                <a:solidFill>
+                  <a:srgbClr val="FF0000"/>
+                </a:solidFill>
+                <a:latin typeface="+mj-lt"/>
+                <a:ea typeface="ＭＳ ゴシック" panose="020B0609070205080204" pitchFamily="49" charset="-128"/>
+              </a:rPr>
+              <a:t>delete </a:t>
+            </a:r>
+            <a:r>
+              <a:rPr lang="en-US" altLang="ja-JP" sz="2400" dirty="0" err="1">
+                <a:solidFill>
+                  <a:srgbClr val="FF0000"/>
                 </a:solidFill>
                 <a:latin typeface="+mj-lt"/>
                 <a:ea typeface="ＭＳ ゴシック" panose="020B0609070205080204" pitchFamily="49" charset="-128"/>
@@ -7924,7 +8076,7 @@
             <a:r>
               <a:rPr lang="en-US" altLang="ja-JP" sz="2400" dirty="0">
                 <a:solidFill>
-                  <a:srgbClr val="000000"/>
+                  <a:srgbClr val="FF0000"/>
                 </a:solidFill>
                 <a:latin typeface="+mj-lt"/>
                 <a:ea typeface="ＭＳ ゴシック" panose="020B0609070205080204" pitchFamily="49" charset="-128"/>
@@ -7955,55 +8107,6 @@
               </a:rPr>
               <a:t>}</a:t>
             </a:r>
-          </a:p>
-        </p:txBody>
-      </p:sp>
-      <p:sp>
-        <p:nvSpPr>
-          <p:cNvPr id="12" name="矢印: 右 11">
-            <a:extLst>
-              <a:ext uri="{FF2B5EF4-FFF2-40B4-BE49-F238E27FC236}">
-                <a16:creationId xmlns:a16="http://schemas.microsoft.com/office/drawing/2014/main" id="{A726D147-8F5C-DE4F-725D-0292B7B31FB2}"/>
-              </a:ext>
-            </a:extLst>
-          </p:cNvPr>
-          <p:cNvSpPr/>
-          <p:nvPr/>
-        </p:nvSpPr>
-        <p:spPr>
-          <a:xfrm>
-            <a:off x="701202" y="4388123"/>
-            <a:ext cx="484050" cy="243192"/>
-          </a:xfrm>
-          <a:prstGeom prst="rightArrow">
-            <a:avLst/>
-          </a:prstGeom>
-          <a:solidFill>
-            <a:srgbClr val="FF0000"/>
-          </a:solidFill>
-        </p:spPr>
-        <p:style>
-          <a:lnRef idx="2">
-            <a:schemeClr val="accent1">
-              <a:shade val="15000"/>
-            </a:schemeClr>
-          </a:lnRef>
-          <a:fillRef idx="1">
-            <a:schemeClr val="accent1"/>
-          </a:fillRef>
-          <a:effectRef idx="0">
-            <a:schemeClr val="accent1"/>
-          </a:effectRef>
-          <a:fontRef idx="minor">
-            <a:schemeClr val="lt1"/>
-          </a:fontRef>
-        </p:style>
-        <p:txBody>
-          <a:bodyPr rtlCol="0" anchor="ctr"/>
-          <a:lstStyle/>
-          <a:p>
-            <a:pPr algn="ctr"/>
-            <a:endParaRPr kumimoji="1" lang="ja-JP" altLang="en-US"/>
           </a:p>
         </p:txBody>
       </p:sp>
@@ -8021,8 +8124,8 @@
         </p:nvSpPr>
         <p:spPr>
           <a:xfrm>
-            <a:off x="1585391" y="3711378"/>
-            <a:ext cx="6144631" cy="523220"/>
+            <a:off x="2164281" y="2784283"/>
+            <a:ext cx="8117928" cy="2246769"/>
           </a:xfrm>
           <a:prstGeom prst="rect">
             <a:avLst/>
@@ -8050,12 +8153,50 @@
           <a:lstStyle/>
           <a:p>
             <a:r>
+              <a:rPr kumimoji="1" lang="ja-JP" altLang="en-US" sz="2800" dirty="0">
+                <a:solidFill>
+                  <a:srgbClr val="00B050"/>
+                </a:solidFill>
+              </a:rPr>
+              <a:t>使用を終了したインスタンスは消去する必要がある</a:t>
+            </a:r>
+            <a:endParaRPr kumimoji="1" lang="en-US" altLang="ja-JP" sz="2800" dirty="0">
+              <a:solidFill>
+                <a:srgbClr val="00B050"/>
+              </a:solidFill>
+            </a:endParaRPr>
+          </a:p>
+          <a:p>
+            <a:r>
+              <a:rPr kumimoji="1" lang="ja-JP" altLang="en-US" sz="2800" dirty="0">
+                <a:solidFill>
+                  <a:srgbClr val="00B050"/>
+                </a:solidFill>
+              </a:rPr>
+              <a:t>そのための手順は</a:t>
+            </a:r>
+            <a:endParaRPr kumimoji="1" lang="en-US" altLang="ja-JP" sz="2800" dirty="0">
+              <a:solidFill>
+                <a:srgbClr val="00B050"/>
+              </a:solidFill>
+            </a:endParaRPr>
+          </a:p>
+          <a:p>
+            <a:r>
+              <a:rPr kumimoji="1" lang="ja-JP" altLang="en-US" sz="2800" dirty="0">
+                <a:solidFill>
+                  <a:srgbClr val="00B050"/>
+                </a:solidFill>
+              </a:rPr>
+              <a:t>①</a:t>
+            </a:r>
+            <a:r>
               <a:rPr kumimoji="1" lang="en-US" altLang="ja-JP" sz="2800" dirty="0">
                 <a:solidFill>
                   <a:srgbClr val="00B050"/>
                 </a:solidFill>
               </a:rPr>
-              <a:t>//</a:t>
+              <a:t>vector</a:t>
             </a:r>
             <a:r>
               <a:rPr kumimoji="1" lang="ja-JP" altLang="en-US" sz="2800" dirty="0">
@@ -8063,15 +8204,132 @@
                   <a:srgbClr val="00B050"/>
                 </a:solidFill>
               </a:rPr>
-              <a:t>配列の先頭を指すイテレータを定義</a:t>
-            </a:r>
+              <a:t>の要素に格納したインスタンスを消去</a:t>
+            </a:r>
+            <a:endParaRPr kumimoji="1" lang="en-US" altLang="ja-JP" sz="2800" dirty="0">
+              <a:solidFill>
+                <a:srgbClr val="00B050"/>
+              </a:solidFill>
+            </a:endParaRPr>
+          </a:p>
+          <a:p>
+            <a:r>
+              <a:rPr kumimoji="1" lang="ja-JP" altLang="en-US" sz="2800" dirty="0">
+                <a:solidFill>
+                  <a:srgbClr val="00B050"/>
+                </a:solidFill>
+              </a:rPr>
+              <a:t>②</a:t>
+            </a:r>
+            <a:r>
+              <a:rPr kumimoji="1" lang="en-US" altLang="ja-JP" sz="2800" dirty="0">
+                <a:solidFill>
+                  <a:srgbClr val="00B050"/>
+                </a:solidFill>
+              </a:rPr>
+              <a:t>vector</a:t>
+            </a:r>
+            <a:r>
+              <a:rPr kumimoji="1" lang="ja-JP" altLang="en-US" sz="2800" dirty="0">
+                <a:solidFill>
+                  <a:srgbClr val="00B050"/>
+                </a:solidFill>
+              </a:rPr>
+              <a:t>の要素自体を削除</a:t>
+            </a:r>
+            <a:endParaRPr kumimoji="1" lang="en-US" altLang="ja-JP" sz="2800" dirty="0">
+              <a:solidFill>
+                <a:srgbClr val="00B050"/>
+              </a:solidFill>
+            </a:endParaRPr>
+          </a:p>
+          <a:p>
+            <a:r>
+              <a:rPr kumimoji="1" lang="ja-JP" altLang="en-US" sz="2800" dirty="0">
+                <a:solidFill>
+                  <a:srgbClr val="00B050"/>
+                </a:solidFill>
+              </a:rPr>
+              <a:t>となるため、単に</a:t>
+            </a:r>
+            <a:r>
+              <a:rPr kumimoji="1" lang="en-US" altLang="ja-JP" sz="2800" dirty="0">
+                <a:solidFill>
+                  <a:srgbClr val="00B050"/>
+                </a:solidFill>
+              </a:rPr>
+              <a:t>delete</a:t>
+            </a:r>
+            <a:r>
+              <a:rPr kumimoji="1" lang="ja-JP" altLang="en-US" sz="2800" dirty="0">
+                <a:solidFill>
+                  <a:srgbClr val="00B050"/>
+                </a:solidFill>
+              </a:rPr>
+              <a:t>するだけではダメ</a:t>
+            </a:r>
+            <a:endParaRPr kumimoji="1" lang="en-US" altLang="ja-JP" sz="2800" dirty="0">
+              <a:solidFill>
+                <a:srgbClr val="00B050"/>
+              </a:solidFill>
+            </a:endParaRPr>
+          </a:p>
+        </p:txBody>
+      </p:sp>
+      <p:sp>
+        <p:nvSpPr>
+          <p:cNvPr id="6" name="矢印: 折線 5">
+            <a:extLst>
+              <a:ext uri="{FF2B5EF4-FFF2-40B4-BE49-F238E27FC236}">
+                <a16:creationId xmlns:a16="http://schemas.microsoft.com/office/drawing/2014/main" id="{7C84EBE1-FCBF-462B-BC77-FFDBA15E9BB5}"/>
+              </a:ext>
+            </a:extLst>
+          </p:cNvPr>
+          <p:cNvSpPr/>
+          <p:nvPr/>
+        </p:nvSpPr>
+        <p:spPr>
+          <a:xfrm rot="10800000">
+            <a:off x="4901761" y="5031052"/>
+            <a:ext cx="726141" cy="749836"/>
+          </a:xfrm>
+          <a:prstGeom prst="bentArrow">
+            <a:avLst/>
+          </a:prstGeom>
+        </p:spPr>
+        <p:style>
+          <a:lnRef idx="2">
+            <a:schemeClr val="accent1">
+              <a:shade val="50000"/>
+            </a:schemeClr>
+          </a:lnRef>
+          <a:fillRef idx="1">
+            <a:schemeClr val="accent1"/>
+          </a:fillRef>
+          <a:effectRef idx="0">
+            <a:schemeClr val="accent1"/>
+          </a:effectRef>
+          <a:fontRef idx="minor">
+            <a:schemeClr val="lt1"/>
+          </a:fontRef>
+        </p:style>
+        <p:txBody>
+          <a:bodyPr rtlCol="0" anchor="ctr"/>
+          <a:lstStyle/>
+          <a:p>
+            <a:pPr algn="ctr"/>
+            <a:endParaRPr kumimoji="1" lang="ja-JP" altLang="en-US">
+              <a:solidFill>
+                <a:schemeClr val="tx1"/>
+              </a:solidFill>
+            </a:endParaRPr>
           </a:p>
         </p:txBody>
       </p:sp>
     </p:spTree>
     <p:extLst>
       <p:ext uri="{BB962C8B-B14F-4D97-AF65-F5344CB8AC3E}">
-        <p14:creationId xmlns:p14="http://schemas.microsoft.com/office/powerpoint/2010/main" val="918911504"/>
+        <p14:creationId xmlns:p14="http://schemas.microsoft.com/office/powerpoint/2010/main" val="2633337816"/>
       </p:ext>
     </p:extLst>
   </p:cSld>
@@ -8239,7 +8497,7 @@
         <p:spPr>
           <a:xfrm>
             <a:off x="1048254" y="1709060"/>
-            <a:ext cx="11072409" cy="4893647"/>
+            <a:ext cx="11072409" cy="4154984"/>
           </a:xfrm>
           <a:prstGeom prst="rect">
             <a:avLst/>
@@ -9229,58 +9487,6 @@
               </a:rPr>
               <a:t>();</a:t>
             </a:r>
-          </a:p>
-          <a:p>
-            <a:r>
-              <a:rPr lang="en-US" altLang="ja-JP" sz="2400" dirty="0">
-                <a:solidFill>
-                  <a:srgbClr val="000000"/>
-                </a:solidFill>
-                <a:latin typeface="+mj-lt"/>
-                <a:ea typeface="ＭＳ ゴシック" panose="020B0609070205080204" pitchFamily="49" charset="-128"/>
-              </a:rPr>
-              <a:t>	while( </a:t>
-            </a:r>
-            <a:r>
-              <a:rPr lang="en-US" altLang="ja-JP" sz="2400" dirty="0" err="1">
-                <a:solidFill>
-                  <a:srgbClr val="000000"/>
-                </a:solidFill>
-                <a:latin typeface="+mj-lt"/>
-                <a:ea typeface="ＭＳ ゴシック" panose="020B0609070205080204" pitchFamily="49" charset="-128"/>
-              </a:rPr>
-              <a:t>itr</a:t>
-            </a:r>
-            <a:r>
-              <a:rPr lang="en-US" altLang="ja-JP" sz="2400" dirty="0">
-                <a:solidFill>
-                  <a:srgbClr val="000000"/>
-                </a:solidFill>
-                <a:latin typeface="+mj-lt"/>
-                <a:ea typeface="ＭＳ ゴシック" panose="020B0609070205080204" pitchFamily="49" charset="-128"/>
-              </a:rPr>
-              <a:t> != </a:t>
-            </a:r>
-            <a:r>
-              <a:rPr lang="en-US" altLang="ja-JP" sz="2400" dirty="0" err="1">
-                <a:solidFill>
-                  <a:srgbClr val="000000"/>
-                </a:solidFill>
-                <a:latin typeface="+mj-lt"/>
-                <a:ea typeface="ＭＳ ゴシック" panose="020B0609070205080204" pitchFamily="49" charset="-128"/>
-              </a:rPr>
-              <a:t>pPlayer.end</a:t>
-            </a:r>
-            <a:r>
-              <a:rPr lang="en-US" altLang="ja-JP" sz="2400" dirty="0">
-                <a:solidFill>
-                  <a:srgbClr val="000000"/>
-                </a:solidFill>
-                <a:latin typeface="+mj-lt"/>
-                <a:ea typeface="ＭＳ ゴシック" panose="020B0609070205080204" pitchFamily="49" charset="-128"/>
-              </a:rPr>
-              <a:t>() ){</a:t>
-            </a:r>
             <a:br>
               <a:rPr lang="en-US" altLang="ja-JP" sz="2400" dirty="0">
                 <a:solidFill>
@@ -9298,7 +9504,7 @@
                 <a:latin typeface="+mj-lt"/>
                 <a:ea typeface="ＭＳ ゴシック" panose="020B0609070205080204" pitchFamily="49" charset="-128"/>
               </a:rPr>
-              <a:t>		delete </a:t>
+              <a:t>	delete </a:t>
             </a:r>
             <a:r>
               <a:rPr lang="en-US" altLang="ja-JP" sz="2400" dirty="0" err="1">
@@ -9319,18 +9525,6 @@
                 <a:ea typeface="ＭＳ ゴシック" panose="020B0609070205080204" pitchFamily="49" charset="-128"/>
               </a:rPr>
               <a:t>;</a:t>
-            </a:r>
-          </a:p>
-          <a:p>
-            <a:r>
-              <a:rPr lang="en-US" altLang="ja-JP" sz="2400" dirty="0">
-                <a:solidFill>
-                  <a:srgbClr val="000000"/>
-                </a:solidFill>
-                <a:latin typeface="+mj-lt"/>
-                <a:ea typeface="ＭＳ ゴシック" panose="020B0609070205080204" pitchFamily="49" charset="-128"/>
-              </a:rPr>
-              <a:t>	}</a:t>
             </a:r>
           </a:p>
           <a:p>
@@ -9373,7 +9567,7 @@
         </p:nvSpPr>
         <p:spPr>
           <a:xfrm>
-            <a:off x="701202" y="4748052"/>
+            <a:off x="701202" y="4388123"/>
             <a:ext cx="484050" cy="243192"/>
           </a:xfrm>
           <a:prstGeom prst="rightArrow">
@@ -9422,8 +9616,8 @@
         </p:nvSpPr>
         <p:spPr>
           <a:xfrm>
-            <a:off x="2314966" y="4061574"/>
-            <a:ext cx="4523995" cy="523220"/>
+            <a:off x="1585391" y="3711378"/>
+            <a:ext cx="5785558" cy="523220"/>
           </a:xfrm>
           <a:prstGeom prst="rect">
             <a:avLst/>
@@ -9464,64 +9658,15 @@
                   <a:srgbClr val="00B050"/>
                 </a:solidFill>
               </a:rPr>
-              <a:t>配列の最後尾までループ</a:t>
-            </a:r>
-          </a:p>
-        </p:txBody>
-      </p:sp>
-      <p:sp>
-        <p:nvSpPr>
-          <p:cNvPr id="4" name="矢印: 右 3">
-            <a:extLst>
-              <a:ext uri="{FF2B5EF4-FFF2-40B4-BE49-F238E27FC236}">
-                <a16:creationId xmlns:a16="http://schemas.microsoft.com/office/drawing/2014/main" id="{BD6084C2-E043-32CA-9AD7-BB37990C665C}"/>
-              </a:ext>
-            </a:extLst>
-          </p:cNvPr>
-          <p:cNvSpPr/>
-          <p:nvPr/>
-        </p:nvSpPr>
-        <p:spPr>
-          <a:xfrm>
-            <a:off x="701202" y="5476110"/>
-            <a:ext cx="484050" cy="243192"/>
-          </a:xfrm>
-          <a:prstGeom prst="rightArrow">
-            <a:avLst/>
-          </a:prstGeom>
-          <a:solidFill>
-            <a:srgbClr val="FF0000"/>
-          </a:solidFill>
-        </p:spPr>
-        <p:style>
-          <a:lnRef idx="2">
-            <a:schemeClr val="accent1">
-              <a:shade val="15000"/>
-            </a:schemeClr>
-          </a:lnRef>
-          <a:fillRef idx="1">
-            <a:schemeClr val="accent1"/>
-          </a:fillRef>
-          <a:effectRef idx="0">
-            <a:schemeClr val="accent1"/>
-          </a:effectRef>
-          <a:fontRef idx="minor">
-            <a:schemeClr val="lt1"/>
-          </a:fontRef>
-        </p:style>
-        <p:txBody>
-          <a:bodyPr rtlCol="0" anchor="ctr"/>
-          <a:lstStyle/>
-          <a:p>
-            <a:pPr algn="ctr"/>
-            <a:endParaRPr kumimoji="1" lang="ja-JP" altLang="en-US"/>
+              <a:t>先頭要素を指すイテレータを定義</a:t>
+            </a:r>
           </a:p>
         </p:txBody>
       </p:sp>
     </p:spTree>
     <p:extLst>
       <p:ext uri="{BB962C8B-B14F-4D97-AF65-F5344CB8AC3E}">
-        <p14:creationId xmlns:p14="http://schemas.microsoft.com/office/powerpoint/2010/main" val="119684831"/>
+        <p14:creationId xmlns:p14="http://schemas.microsoft.com/office/powerpoint/2010/main" val="918911504"/>
       </p:ext>
     </p:extLst>
   </p:cSld>
@@ -10748,6 +10893,1456 @@
                 <a:latin typeface="+mj-lt"/>
                 <a:ea typeface="ＭＳ ゴシック" panose="020B0609070205080204" pitchFamily="49" charset="-128"/>
               </a:rPr>
+              <a:t>		delete </a:t>
+            </a:r>
+            <a:r>
+              <a:rPr lang="en-US" altLang="ja-JP" sz="2400" dirty="0" err="1">
+                <a:solidFill>
+                  <a:srgbClr val="000000"/>
+                </a:solidFill>
+                <a:latin typeface="+mj-lt"/>
+                <a:ea typeface="ＭＳ ゴシック" panose="020B0609070205080204" pitchFamily="49" charset="-128"/>
+              </a:rPr>
+              <a:t>pPlayer</a:t>
+            </a:r>
+            <a:r>
+              <a:rPr lang="en-US" altLang="ja-JP" sz="2400" dirty="0">
+                <a:solidFill>
+                  <a:srgbClr val="000000"/>
+                </a:solidFill>
+                <a:latin typeface="+mj-lt"/>
+                <a:ea typeface="ＭＳ ゴシック" panose="020B0609070205080204" pitchFamily="49" charset="-128"/>
+              </a:rPr>
+              <a:t>;</a:t>
+            </a:r>
+          </a:p>
+          <a:p>
+            <a:r>
+              <a:rPr lang="en-US" altLang="ja-JP" sz="2400" dirty="0">
+                <a:solidFill>
+                  <a:srgbClr val="000000"/>
+                </a:solidFill>
+                <a:latin typeface="+mj-lt"/>
+                <a:ea typeface="ＭＳ ゴシック" panose="020B0609070205080204" pitchFamily="49" charset="-128"/>
+              </a:rPr>
+              <a:t>	}</a:t>
+            </a:r>
+          </a:p>
+          <a:p>
+            <a:r>
+              <a:rPr lang="en-US" altLang="ja-JP" sz="2400" dirty="0">
+                <a:solidFill>
+                  <a:srgbClr val="000000"/>
+                </a:solidFill>
+                <a:latin typeface="+mj-lt"/>
+                <a:ea typeface="ＭＳ ゴシック" panose="020B0609070205080204" pitchFamily="49" charset="-128"/>
+              </a:rPr>
+              <a:t>	return 0;</a:t>
+            </a:r>
+          </a:p>
+          <a:p>
+            <a:r>
+              <a:rPr lang="en-US" altLang="ja-JP" sz="2400" dirty="0">
+                <a:solidFill>
+                  <a:srgbClr val="000000"/>
+                </a:solidFill>
+                <a:latin typeface="+mj-lt"/>
+                <a:ea typeface="ＭＳ ゴシック" panose="020B0609070205080204" pitchFamily="49" charset="-128"/>
+              </a:rPr>
+              <a:t>}</a:t>
+            </a:r>
+          </a:p>
+        </p:txBody>
+      </p:sp>
+      <p:sp>
+        <p:nvSpPr>
+          <p:cNvPr id="12" name="矢印: 右 11">
+            <a:extLst>
+              <a:ext uri="{FF2B5EF4-FFF2-40B4-BE49-F238E27FC236}">
+                <a16:creationId xmlns:a16="http://schemas.microsoft.com/office/drawing/2014/main" id="{A726D147-8F5C-DE4F-725D-0292B7B31FB2}"/>
+              </a:ext>
+            </a:extLst>
+          </p:cNvPr>
+          <p:cNvSpPr/>
+          <p:nvPr/>
+        </p:nvSpPr>
+        <p:spPr>
+          <a:xfrm>
+            <a:off x="701202" y="4748052"/>
+            <a:ext cx="484050" cy="243192"/>
+          </a:xfrm>
+          <a:prstGeom prst="rightArrow">
+            <a:avLst/>
+          </a:prstGeom>
+          <a:solidFill>
+            <a:srgbClr val="FF0000"/>
+          </a:solidFill>
+        </p:spPr>
+        <p:style>
+          <a:lnRef idx="2">
+            <a:schemeClr val="accent1">
+              <a:shade val="15000"/>
+            </a:schemeClr>
+          </a:lnRef>
+          <a:fillRef idx="1">
+            <a:schemeClr val="accent1"/>
+          </a:fillRef>
+          <a:effectRef idx="0">
+            <a:schemeClr val="accent1"/>
+          </a:effectRef>
+          <a:fontRef idx="minor">
+            <a:schemeClr val="lt1"/>
+          </a:fontRef>
+        </p:style>
+        <p:txBody>
+          <a:bodyPr rtlCol="0" anchor="ctr"/>
+          <a:lstStyle/>
+          <a:p>
+            <a:pPr algn="ctr"/>
+            <a:endParaRPr kumimoji="1" lang="ja-JP" altLang="en-US"/>
+          </a:p>
+        </p:txBody>
+      </p:sp>
+      <p:sp>
+        <p:nvSpPr>
+          <p:cNvPr id="13" name="テキスト ボックス 12">
+            <a:extLst>
+              <a:ext uri="{FF2B5EF4-FFF2-40B4-BE49-F238E27FC236}">
+                <a16:creationId xmlns:a16="http://schemas.microsoft.com/office/drawing/2014/main" id="{64E26516-7357-2DF0-3545-2F5521D8DD14}"/>
+              </a:ext>
+            </a:extLst>
+          </p:cNvPr>
+          <p:cNvSpPr txBox="1"/>
+          <p:nvPr/>
+        </p:nvSpPr>
+        <p:spPr>
+          <a:xfrm>
+            <a:off x="2314966" y="4061574"/>
+            <a:ext cx="3448380" cy="523220"/>
+          </a:xfrm>
+          <a:prstGeom prst="rect">
+            <a:avLst/>
+          </a:prstGeom>
+          <a:solidFill>
+            <a:schemeClr val="bg1"/>
+          </a:solidFill>
+          <a:ln>
+            <a:solidFill>
+              <a:schemeClr val="tx1"/>
+            </a:solidFill>
+          </a:ln>
+          <a:effectLst>
+            <a:outerShdw blurRad="50800" dist="38100" dir="2700000" algn="tl" rotWithShape="0">
+              <a:prstClr val="black">
+                <a:alpha val="40000"/>
+              </a:prstClr>
+            </a:outerShdw>
+          </a:effectLst>
+        </p:spPr>
+        <p:txBody>
+          <a:bodyPr wrap="none" rtlCol="0">
+            <a:spAutoFit/>
+          </a:bodyPr>
+          <a:lstStyle/>
+          <a:p>
+            <a:r>
+              <a:rPr kumimoji="1" lang="en-US" altLang="ja-JP" sz="2800" dirty="0">
+                <a:solidFill>
+                  <a:srgbClr val="00B050"/>
+                </a:solidFill>
+              </a:rPr>
+              <a:t>//</a:t>
+            </a:r>
+            <a:r>
+              <a:rPr kumimoji="1" lang="ja-JP" altLang="en-US" sz="2800" dirty="0">
+                <a:solidFill>
+                  <a:srgbClr val="00B050"/>
+                </a:solidFill>
+              </a:rPr>
+              <a:t>最後尾までループ</a:t>
+            </a:r>
+          </a:p>
+        </p:txBody>
+      </p:sp>
+      <p:sp>
+        <p:nvSpPr>
+          <p:cNvPr id="4" name="矢印: 右 3">
+            <a:extLst>
+              <a:ext uri="{FF2B5EF4-FFF2-40B4-BE49-F238E27FC236}">
+                <a16:creationId xmlns:a16="http://schemas.microsoft.com/office/drawing/2014/main" id="{BD6084C2-E043-32CA-9AD7-BB37990C665C}"/>
+              </a:ext>
+            </a:extLst>
+          </p:cNvPr>
+          <p:cNvSpPr/>
+          <p:nvPr/>
+        </p:nvSpPr>
+        <p:spPr>
+          <a:xfrm>
+            <a:off x="701202" y="5476110"/>
+            <a:ext cx="484050" cy="243192"/>
+          </a:xfrm>
+          <a:prstGeom prst="rightArrow">
+            <a:avLst/>
+          </a:prstGeom>
+          <a:solidFill>
+            <a:srgbClr val="FF0000"/>
+          </a:solidFill>
+        </p:spPr>
+        <p:style>
+          <a:lnRef idx="2">
+            <a:schemeClr val="accent1">
+              <a:shade val="15000"/>
+            </a:schemeClr>
+          </a:lnRef>
+          <a:fillRef idx="1">
+            <a:schemeClr val="accent1"/>
+          </a:fillRef>
+          <a:effectRef idx="0">
+            <a:schemeClr val="accent1"/>
+          </a:effectRef>
+          <a:fontRef idx="minor">
+            <a:schemeClr val="lt1"/>
+          </a:fontRef>
+        </p:style>
+        <p:txBody>
+          <a:bodyPr rtlCol="0" anchor="ctr"/>
+          <a:lstStyle/>
+          <a:p>
+            <a:pPr algn="ctr"/>
+            <a:endParaRPr kumimoji="1" lang="ja-JP" altLang="en-US"/>
+          </a:p>
+        </p:txBody>
+      </p:sp>
+    </p:spTree>
+    <p:extLst>
+      <p:ext uri="{BB962C8B-B14F-4D97-AF65-F5344CB8AC3E}">
+        <p14:creationId xmlns:p14="http://schemas.microsoft.com/office/powerpoint/2010/main" val="119684831"/>
+      </p:ext>
+    </p:extLst>
+  </p:cSld>
+  <p:clrMapOvr>
+    <a:masterClrMapping/>
+  </p:clrMapOvr>
+</p:sld>
+</file>
+
+<file path=ppt/slides/slide15.xml><?xml version="1.0" encoding="utf-8"?>
+<p:sld xmlns:a="http://schemas.openxmlformats.org/drawingml/2006/main" xmlns:r="http://schemas.openxmlformats.org/officeDocument/2006/relationships" xmlns:p="http://schemas.openxmlformats.org/presentationml/2006/main">
+  <p:cSld>
+    <p:spTree>
+      <p:nvGrpSpPr>
+        <p:cNvPr id="1" name=""/>
+        <p:cNvGrpSpPr/>
+        <p:nvPr/>
+      </p:nvGrpSpPr>
+      <p:grpSpPr>
+        <a:xfrm>
+          <a:off x="0" y="0"/>
+          <a:ext cx="0" cy="0"/>
+          <a:chOff x="0" y="0"/>
+          <a:chExt cx="0" cy="0"/>
+        </a:xfrm>
+      </p:grpSpPr>
+      <p:sp>
+        <p:nvSpPr>
+          <p:cNvPr id="2" name="タイトル 1">
+            <a:extLst>
+              <a:ext uri="{FF2B5EF4-FFF2-40B4-BE49-F238E27FC236}">
+                <a16:creationId xmlns:a16="http://schemas.microsoft.com/office/drawing/2014/main" id="{F11F3668-F205-48C5-AC01-19611EFE561B}"/>
+              </a:ext>
+            </a:extLst>
+          </p:cNvPr>
+          <p:cNvSpPr>
+            <a:spLocks noGrp="1"/>
+          </p:cNvSpPr>
+          <p:nvPr>
+            <p:ph type="title"/>
+          </p:nvPr>
+        </p:nvSpPr>
+        <p:spPr/>
+        <p:txBody>
+          <a:bodyPr/>
+          <a:lstStyle/>
+          <a:p>
+            <a:r>
+              <a:rPr kumimoji="1" lang="ja-JP" altLang="en-US" dirty="0"/>
+              <a:t>継承</a:t>
+            </a:r>
+            <a:r>
+              <a:rPr lang="ja-JP" altLang="en-US" dirty="0"/>
+              <a:t>を使った演習問題</a:t>
+            </a:r>
+            <a:endParaRPr kumimoji="1" lang="ja-JP" altLang="en-US" dirty="0"/>
+          </a:p>
+        </p:txBody>
+      </p:sp>
+      <p:sp>
+        <p:nvSpPr>
+          <p:cNvPr id="3" name="コンテンツ プレースホルダー 2">
+            <a:extLst>
+              <a:ext uri="{FF2B5EF4-FFF2-40B4-BE49-F238E27FC236}">
+                <a16:creationId xmlns:a16="http://schemas.microsoft.com/office/drawing/2014/main" id="{64DBE417-57E9-44A6-BB52-B2F9986BB7B2}"/>
+              </a:ext>
+            </a:extLst>
+          </p:cNvPr>
+          <p:cNvSpPr>
+            <a:spLocks noGrp="1"/>
+          </p:cNvSpPr>
+          <p:nvPr>
+            <p:ph idx="1"/>
+          </p:nvPr>
+        </p:nvSpPr>
+        <p:spPr>
+          <a:xfrm>
+            <a:off x="838200" y="1121412"/>
+            <a:ext cx="10515600" cy="5193373"/>
+          </a:xfrm>
+        </p:spPr>
+        <p:txBody>
+          <a:bodyPr>
+            <a:normAutofit/>
+          </a:bodyPr>
+          <a:lstStyle/>
+          <a:p>
+            <a:r>
+              <a:rPr kumimoji="1" lang="en-US" altLang="ja-JP" dirty="0"/>
+              <a:t>main.</a:t>
+            </a:r>
+            <a:r>
+              <a:rPr lang="en-US" altLang="ja-JP" dirty="0"/>
+              <a:t>cpp</a:t>
+            </a:r>
+            <a:r>
+              <a:rPr kumimoji="1" lang="ja-JP" altLang="en-US" dirty="0"/>
+              <a:t>　</a:t>
+            </a:r>
+            <a:r>
+              <a:rPr kumimoji="1" lang="en-US" altLang="ja-JP" dirty="0"/>
+              <a:t>(</a:t>
+            </a:r>
+            <a:r>
+              <a:rPr kumimoji="1" lang="en-US" altLang="ja-JP" dirty="0" err="1"/>
+              <a:t>SampleRPG</a:t>
+            </a:r>
+            <a:r>
+              <a:rPr kumimoji="1" lang="en-US" altLang="ja-JP" dirty="0"/>
+              <a:t>)</a:t>
+            </a:r>
+            <a:br>
+              <a:rPr lang="en-US" altLang="ja-JP" dirty="0"/>
+            </a:br>
+            <a:endParaRPr lang="en-US" altLang="ja-JP" dirty="0"/>
+          </a:p>
+          <a:p>
+            <a:pPr marL="0" indent="0">
+              <a:buNone/>
+            </a:pPr>
+            <a:br>
+              <a:rPr lang="en-US" altLang="ja-JP" dirty="0"/>
+            </a:br>
+            <a:br>
+              <a:rPr lang="en-US" altLang="ja-JP" dirty="0"/>
+            </a:br>
+            <a:br>
+              <a:rPr lang="en-US" altLang="ja-JP" dirty="0"/>
+            </a:br>
+            <a:br>
+              <a:rPr lang="en-US" altLang="ja-JP" sz="2400" dirty="0"/>
+            </a:br>
+            <a:br>
+              <a:rPr lang="en-US" altLang="ja-JP" sz="2400" dirty="0"/>
+            </a:br>
+            <a:endParaRPr lang="en-US" altLang="ja-JP" sz="2400" dirty="0"/>
+          </a:p>
+          <a:p>
+            <a:pPr marL="0" indent="0">
+              <a:buNone/>
+            </a:pPr>
+            <a:br>
+              <a:rPr lang="en-US" altLang="ja-JP" sz="2400" dirty="0"/>
+            </a:br>
+            <a:endParaRPr lang="en-US" altLang="ja-JP" dirty="0">
+              <a:solidFill>
+                <a:srgbClr val="FF0000"/>
+              </a:solidFill>
+            </a:endParaRPr>
+          </a:p>
+        </p:txBody>
+      </p:sp>
+      <p:sp>
+        <p:nvSpPr>
+          <p:cNvPr id="5" name="テキスト ボックス 4">
+            <a:extLst>
+              <a:ext uri="{FF2B5EF4-FFF2-40B4-BE49-F238E27FC236}">
+                <a16:creationId xmlns:a16="http://schemas.microsoft.com/office/drawing/2014/main" id="{9E32883C-0E37-4F07-9861-27609819CE8C}"/>
+              </a:ext>
+            </a:extLst>
+          </p:cNvPr>
+          <p:cNvSpPr txBox="1"/>
+          <p:nvPr/>
+        </p:nvSpPr>
+        <p:spPr>
+          <a:xfrm>
+            <a:off x="1048254" y="1709060"/>
+            <a:ext cx="11072409" cy="4893647"/>
+          </a:xfrm>
+          <a:prstGeom prst="rect">
+            <a:avLst/>
+          </a:prstGeom>
+          <a:noFill/>
+          <a:ln>
+            <a:solidFill>
+              <a:schemeClr val="tx1"/>
+            </a:solidFill>
+          </a:ln>
+        </p:spPr>
+        <p:txBody>
+          <a:bodyPr wrap="square" rtlCol="0">
+            <a:spAutoFit/>
+          </a:bodyPr>
+          <a:lstStyle/>
+          <a:p>
+            <a:r>
+              <a:rPr lang="en-US" altLang="ja-JP" sz="2400" dirty="0">
+                <a:solidFill>
+                  <a:srgbClr val="000000"/>
+                </a:solidFill>
+                <a:latin typeface="+mj-lt"/>
+                <a:ea typeface="ＭＳ ゴシック" panose="020B0609070205080204" pitchFamily="49" charset="-128"/>
+              </a:rPr>
+              <a:t>	for(int </a:t>
+            </a:r>
+            <a:r>
+              <a:rPr lang="en-US" altLang="ja-JP" sz="2400" dirty="0" err="1">
+                <a:solidFill>
+                  <a:srgbClr val="000000"/>
+                </a:solidFill>
+                <a:latin typeface="+mj-lt"/>
+                <a:ea typeface="ＭＳ ゴシック" panose="020B0609070205080204" pitchFamily="49" charset="-128"/>
+              </a:rPr>
+              <a:t>i</a:t>
+            </a:r>
+            <a:r>
+              <a:rPr lang="en-US" altLang="ja-JP" sz="2400" dirty="0">
+                <a:solidFill>
+                  <a:srgbClr val="000000"/>
+                </a:solidFill>
+                <a:latin typeface="+mj-lt"/>
+                <a:ea typeface="ＭＳ ゴシック" panose="020B0609070205080204" pitchFamily="49" charset="-128"/>
+              </a:rPr>
+              <a:t> = 0; </a:t>
+            </a:r>
+            <a:r>
+              <a:rPr lang="en-US" altLang="ja-JP" sz="2400" dirty="0" err="1">
+                <a:solidFill>
+                  <a:srgbClr val="000000"/>
+                </a:solidFill>
+                <a:latin typeface="+mj-lt"/>
+                <a:ea typeface="ＭＳ ゴシック" panose="020B0609070205080204" pitchFamily="49" charset="-128"/>
+              </a:rPr>
+              <a:t>i</a:t>
+            </a:r>
+            <a:r>
+              <a:rPr lang="en-US" altLang="ja-JP" sz="2400" dirty="0">
+                <a:solidFill>
+                  <a:srgbClr val="000000"/>
+                </a:solidFill>
+                <a:latin typeface="+mj-lt"/>
+                <a:ea typeface="ＭＳ ゴシック" panose="020B0609070205080204" pitchFamily="49" charset="-128"/>
+              </a:rPr>
+              <a:t> &lt; </a:t>
+            </a:r>
+            <a:r>
+              <a:rPr lang="en-US" altLang="ja-JP" sz="2400" dirty="0" err="1">
+                <a:solidFill>
+                  <a:srgbClr val="000000"/>
+                </a:solidFill>
+                <a:latin typeface="+mj-lt"/>
+                <a:ea typeface="ＭＳ ゴシック" panose="020B0609070205080204" pitchFamily="49" charset="-128"/>
+              </a:rPr>
+              <a:t>pPlayer.size</a:t>
+            </a:r>
+            <a:r>
+              <a:rPr lang="en-US" altLang="ja-JP" sz="2400" dirty="0">
+                <a:solidFill>
+                  <a:srgbClr val="000000"/>
+                </a:solidFill>
+                <a:latin typeface="+mj-lt"/>
+                <a:ea typeface="ＭＳ ゴシック" panose="020B0609070205080204" pitchFamily="49" charset="-128"/>
+              </a:rPr>
+              <a:t>() ; </a:t>
+            </a:r>
+            <a:r>
+              <a:rPr lang="en-US" altLang="ja-JP" sz="2400" dirty="0" err="1">
+                <a:solidFill>
+                  <a:srgbClr val="000000"/>
+                </a:solidFill>
+                <a:latin typeface="+mj-lt"/>
+                <a:ea typeface="ＭＳ ゴシック" panose="020B0609070205080204" pitchFamily="49" charset="-128"/>
+              </a:rPr>
+              <a:t>i</a:t>
+            </a:r>
+            <a:r>
+              <a:rPr lang="en-US" altLang="ja-JP" sz="2400" dirty="0">
+                <a:solidFill>
+                  <a:srgbClr val="000000"/>
+                </a:solidFill>
+                <a:latin typeface="+mj-lt"/>
+                <a:ea typeface="ＭＳ ゴシック" panose="020B0609070205080204" pitchFamily="49" charset="-128"/>
+              </a:rPr>
+              <a:t>++){</a:t>
+            </a:r>
+          </a:p>
+          <a:p>
+            <a:r>
+              <a:rPr lang="en-US" altLang="ja-JP" sz="2400" dirty="0">
+                <a:solidFill>
+                  <a:srgbClr val="000000"/>
+                </a:solidFill>
+                <a:latin typeface="+mj-lt"/>
+                <a:ea typeface="ＭＳ ゴシック" panose="020B0609070205080204" pitchFamily="49" charset="-128"/>
+              </a:rPr>
+              <a:t>		</a:t>
+            </a:r>
+            <a:r>
+              <a:rPr lang="en-US" altLang="ja-JP" sz="2400" dirty="0" err="1">
+                <a:solidFill>
+                  <a:srgbClr val="000000"/>
+                </a:solidFill>
+                <a:latin typeface="+mj-lt"/>
+                <a:ea typeface="ＭＳ ゴシック" panose="020B0609070205080204" pitchFamily="49" charset="-128"/>
+              </a:rPr>
+              <a:t>cout</a:t>
+            </a:r>
+            <a:r>
+              <a:rPr lang="en-US" altLang="ja-JP" sz="2400" dirty="0">
+                <a:solidFill>
+                  <a:srgbClr val="000000"/>
+                </a:solidFill>
+                <a:latin typeface="+mj-lt"/>
+                <a:ea typeface="ＭＳ ゴシック" panose="020B0609070205080204" pitchFamily="49" charset="-128"/>
+              </a:rPr>
+              <a:t> </a:t>
+            </a:r>
+            <a:r>
+              <a:rPr lang="en-US" altLang="ja-JP" sz="2400" dirty="0">
+                <a:solidFill>
+                  <a:srgbClr val="008080"/>
+                </a:solidFill>
+                <a:latin typeface="+mj-lt"/>
+                <a:ea typeface="ＭＳ ゴシック" panose="020B0609070205080204" pitchFamily="49" charset="-128"/>
+              </a:rPr>
+              <a:t>&lt;&lt;</a:t>
+            </a:r>
+            <a:r>
+              <a:rPr lang="en-US" altLang="ja-JP" sz="2400" dirty="0">
+                <a:solidFill>
+                  <a:srgbClr val="000000"/>
+                </a:solidFill>
+                <a:latin typeface="+mj-lt"/>
+                <a:ea typeface="ＭＳ ゴシック" panose="020B0609070205080204" pitchFamily="49" charset="-128"/>
+              </a:rPr>
+              <a:t> </a:t>
+            </a:r>
+            <a:r>
+              <a:rPr lang="en-US" altLang="ja-JP" sz="2400" dirty="0">
+                <a:solidFill>
+                  <a:srgbClr val="A31515"/>
+                </a:solidFill>
+                <a:latin typeface="+mj-lt"/>
+                <a:ea typeface="ＭＳ ゴシック" panose="020B0609070205080204" pitchFamily="49" charset="-128"/>
+              </a:rPr>
+              <a:t>“Player</a:t>
+            </a:r>
+            <a:r>
+              <a:rPr lang="ja-JP" altLang="en-US" sz="2400" dirty="0">
+                <a:solidFill>
+                  <a:srgbClr val="A31515"/>
+                </a:solidFill>
+                <a:latin typeface="+mn-ea"/>
+              </a:rPr>
+              <a:t>の状態</a:t>
+            </a:r>
+            <a:r>
+              <a:rPr lang="en-US" altLang="ja-JP" sz="2400" dirty="0">
+                <a:solidFill>
+                  <a:srgbClr val="A31515"/>
+                </a:solidFill>
+                <a:latin typeface="+mn-ea"/>
+              </a:rPr>
+              <a:t>” </a:t>
+            </a:r>
+            <a:r>
+              <a:rPr lang="en-US" altLang="ja-JP" sz="2400" dirty="0">
+                <a:solidFill>
+                  <a:srgbClr val="008080"/>
+                </a:solidFill>
+                <a:latin typeface="+mj-lt"/>
+                <a:ea typeface="ＭＳ ゴシック" panose="020B0609070205080204" pitchFamily="49" charset="-128"/>
+              </a:rPr>
+              <a:t>&lt;&lt;</a:t>
+            </a:r>
+            <a:r>
+              <a:rPr lang="en-US" altLang="ja-JP" sz="2400" dirty="0">
+                <a:solidFill>
+                  <a:srgbClr val="000000"/>
+                </a:solidFill>
+                <a:latin typeface="+mj-lt"/>
+                <a:ea typeface="ＭＳ ゴシック" panose="020B0609070205080204" pitchFamily="49" charset="-128"/>
+              </a:rPr>
+              <a:t> </a:t>
+            </a:r>
+            <a:r>
+              <a:rPr lang="en-US" altLang="ja-JP" sz="2400" dirty="0" err="1">
+                <a:solidFill>
+                  <a:srgbClr val="000000"/>
+                </a:solidFill>
+                <a:latin typeface="+mj-lt"/>
+                <a:ea typeface="ＭＳ ゴシック" panose="020B0609070205080204" pitchFamily="49" charset="-128"/>
+              </a:rPr>
+              <a:t>endl</a:t>
+            </a:r>
+            <a:r>
+              <a:rPr lang="ja-JP" altLang="en-US" sz="2400" dirty="0">
+                <a:solidFill>
+                  <a:srgbClr val="A31515"/>
+                </a:solidFill>
+                <a:latin typeface="+mn-ea"/>
+              </a:rPr>
+              <a:t> </a:t>
+            </a:r>
+            <a:endParaRPr lang="en-US" altLang="ja-JP" sz="2400" dirty="0">
+              <a:solidFill>
+                <a:srgbClr val="A31515"/>
+              </a:solidFill>
+              <a:latin typeface="+mn-ea"/>
+            </a:endParaRPr>
+          </a:p>
+          <a:p>
+            <a:r>
+              <a:rPr lang="en-US" altLang="ja-JP" sz="2400" dirty="0">
+                <a:solidFill>
+                  <a:srgbClr val="A31515"/>
+                </a:solidFill>
+                <a:latin typeface="+mn-ea"/>
+                <a:ea typeface="ＭＳ ゴシック" panose="020B0609070205080204" pitchFamily="49" charset="-128"/>
+              </a:rPr>
+              <a:t>				</a:t>
+            </a:r>
+            <a:r>
+              <a:rPr lang="en-US" altLang="ja-JP" sz="2400" dirty="0">
+                <a:solidFill>
+                  <a:srgbClr val="008080"/>
+                </a:solidFill>
+                <a:latin typeface="+mj-lt"/>
+                <a:ea typeface="ＭＳ ゴシック" panose="020B0609070205080204" pitchFamily="49" charset="-128"/>
+              </a:rPr>
+              <a:t>&lt;&lt;</a:t>
+            </a:r>
+            <a:r>
+              <a:rPr lang="en-US" altLang="ja-JP" sz="2400" dirty="0">
+                <a:solidFill>
+                  <a:srgbClr val="000000"/>
+                </a:solidFill>
+                <a:latin typeface="+mj-lt"/>
+                <a:ea typeface="ＭＳ ゴシック" panose="020B0609070205080204" pitchFamily="49" charset="-128"/>
+              </a:rPr>
+              <a:t> </a:t>
+            </a:r>
+            <a:r>
+              <a:rPr lang="en-US" altLang="ja-JP" sz="2400" dirty="0">
+                <a:solidFill>
+                  <a:srgbClr val="A31515"/>
+                </a:solidFill>
+                <a:latin typeface="+mj-lt"/>
+                <a:ea typeface="ＭＳ ゴシック" panose="020B0609070205080204" pitchFamily="49" charset="-128"/>
+              </a:rPr>
+              <a:t>" HP :”</a:t>
+            </a:r>
+            <a:r>
+              <a:rPr lang="en-US" altLang="ja-JP" sz="2400" dirty="0">
+                <a:solidFill>
+                  <a:srgbClr val="000000"/>
+                </a:solidFill>
+                <a:latin typeface="+mj-lt"/>
+                <a:ea typeface="ＭＳ ゴシック" panose="020B0609070205080204" pitchFamily="49" charset="-128"/>
+              </a:rPr>
+              <a:t> </a:t>
+            </a:r>
+            <a:r>
+              <a:rPr lang="en-US" altLang="ja-JP" sz="2400" dirty="0">
+                <a:solidFill>
+                  <a:srgbClr val="008080"/>
+                </a:solidFill>
+                <a:latin typeface="+mj-lt"/>
+                <a:ea typeface="ＭＳ ゴシック" panose="020B0609070205080204" pitchFamily="49" charset="-128"/>
+              </a:rPr>
+              <a:t>&lt;&lt;</a:t>
+            </a:r>
+            <a:r>
+              <a:rPr lang="en-US" altLang="ja-JP" sz="2400" dirty="0">
+                <a:solidFill>
+                  <a:srgbClr val="000000"/>
+                </a:solidFill>
+                <a:latin typeface="+mj-lt"/>
+                <a:ea typeface="ＭＳ ゴシック" panose="020B0609070205080204" pitchFamily="49" charset="-128"/>
+              </a:rPr>
+              <a:t> </a:t>
+            </a:r>
+            <a:r>
+              <a:rPr lang="en-US" altLang="ja-JP" sz="2400" dirty="0" err="1">
+                <a:solidFill>
+                  <a:srgbClr val="000000"/>
+                </a:solidFill>
+                <a:latin typeface="+mj-lt"/>
+                <a:ea typeface="ＭＳ ゴシック" panose="020B0609070205080204" pitchFamily="49" charset="-128"/>
+              </a:rPr>
+              <a:t>pPlayer</a:t>
+            </a:r>
+            <a:r>
+              <a:rPr lang="en-US" altLang="ja-JP" sz="2400" dirty="0">
+                <a:solidFill>
+                  <a:srgbClr val="000000"/>
+                </a:solidFill>
+                <a:latin typeface="+mj-lt"/>
+                <a:ea typeface="ＭＳ ゴシック" panose="020B0609070205080204" pitchFamily="49" charset="-128"/>
+              </a:rPr>
+              <a:t>[</a:t>
+            </a:r>
+            <a:r>
+              <a:rPr lang="en-US" altLang="ja-JP" sz="2400" dirty="0" err="1">
+                <a:solidFill>
+                  <a:srgbClr val="000000"/>
+                </a:solidFill>
+                <a:latin typeface="+mj-lt"/>
+                <a:ea typeface="ＭＳ ゴシック" panose="020B0609070205080204" pitchFamily="49" charset="-128"/>
+              </a:rPr>
+              <a:t>i</a:t>
+            </a:r>
+            <a:r>
+              <a:rPr lang="en-US" altLang="ja-JP" sz="2400" dirty="0">
+                <a:solidFill>
+                  <a:srgbClr val="000000"/>
+                </a:solidFill>
+                <a:latin typeface="+mj-lt"/>
+                <a:ea typeface="ＭＳ ゴシック" panose="020B0609070205080204" pitchFamily="49" charset="-128"/>
+              </a:rPr>
+              <a:t>]-&gt;</a:t>
+            </a:r>
+            <a:r>
+              <a:rPr lang="en-US" altLang="ja-JP" sz="2400" dirty="0" err="1">
+                <a:solidFill>
+                  <a:srgbClr val="000000"/>
+                </a:solidFill>
+                <a:latin typeface="+mj-lt"/>
+                <a:ea typeface="ＭＳ ゴシック" panose="020B0609070205080204" pitchFamily="49" charset="-128"/>
+              </a:rPr>
+              <a:t>getHp</a:t>
+            </a:r>
+            <a:r>
+              <a:rPr lang="en-US" altLang="ja-JP" sz="2400" dirty="0">
+                <a:solidFill>
+                  <a:srgbClr val="000000"/>
+                </a:solidFill>
+                <a:latin typeface="+mj-lt"/>
+                <a:ea typeface="ＭＳ ゴシック" panose="020B0609070205080204" pitchFamily="49" charset="-128"/>
+              </a:rPr>
+              <a:t>()</a:t>
+            </a:r>
+            <a:r>
+              <a:rPr lang="ja-JP" altLang="en-US" sz="2400" dirty="0">
+                <a:solidFill>
+                  <a:srgbClr val="000000"/>
+                </a:solidFill>
+                <a:latin typeface="+mj-lt"/>
+                <a:ea typeface="ＭＳ ゴシック" panose="020B0609070205080204" pitchFamily="49" charset="-128"/>
+              </a:rPr>
+              <a:t> </a:t>
+            </a:r>
+            <a:r>
+              <a:rPr lang="en-US" altLang="ja-JP" sz="2400" dirty="0">
+                <a:solidFill>
+                  <a:srgbClr val="008080"/>
+                </a:solidFill>
+                <a:latin typeface="+mj-lt"/>
+                <a:ea typeface="ＭＳ ゴシック" panose="020B0609070205080204" pitchFamily="49" charset="-128"/>
+              </a:rPr>
+              <a:t>&lt;&lt;</a:t>
+            </a:r>
+            <a:r>
+              <a:rPr lang="en-US" altLang="ja-JP" sz="2400" dirty="0">
+                <a:solidFill>
+                  <a:srgbClr val="000000"/>
+                </a:solidFill>
+                <a:latin typeface="+mj-lt"/>
+                <a:ea typeface="ＭＳ ゴシック" panose="020B0609070205080204" pitchFamily="49" charset="-128"/>
+              </a:rPr>
+              <a:t> </a:t>
+            </a:r>
+            <a:r>
+              <a:rPr lang="en-US" altLang="ja-JP" sz="2400" dirty="0" err="1">
+                <a:solidFill>
+                  <a:srgbClr val="000000"/>
+                </a:solidFill>
+                <a:latin typeface="+mj-lt"/>
+                <a:ea typeface="ＭＳ ゴシック" panose="020B0609070205080204" pitchFamily="49" charset="-128"/>
+              </a:rPr>
+              <a:t>endl</a:t>
+            </a:r>
+            <a:endParaRPr lang="en-US" altLang="ja-JP" sz="2400" dirty="0">
+              <a:solidFill>
+                <a:srgbClr val="000000"/>
+              </a:solidFill>
+              <a:latin typeface="+mj-lt"/>
+              <a:ea typeface="ＭＳ ゴシック" panose="020B0609070205080204" pitchFamily="49" charset="-128"/>
+            </a:endParaRPr>
+          </a:p>
+          <a:p>
+            <a:r>
+              <a:rPr lang="en-US" altLang="ja-JP" sz="2400" dirty="0">
+                <a:solidFill>
+                  <a:srgbClr val="008080"/>
+                </a:solidFill>
+                <a:latin typeface="+mj-lt"/>
+                <a:ea typeface="ＭＳ ゴシック" panose="020B0609070205080204" pitchFamily="49" charset="-128"/>
+              </a:rPr>
+              <a:t>				&lt;&lt;</a:t>
+            </a:r>
+            <a:r>
+              <a:rPr lang="en-US" altLang="ja-JP" sz="2400" dirty="0">
+                <a:solidFill>
+                  <a:srgbClr val="000000"/>
+                </a:solidFill>
+                <a:latin typeface="+mj-lt"/>
+                <a:ea typeface="ＭＳ ゴシック" panose="020B0609070205080204" pitchFamily="49" charset="-128"/>
+              </a:rPr>
+              <a:t> </a:t>
+            </a:r>
+            <a:r>
+              <a:rPr lang="en-US" altLang="ja-JP" sz="2400" dirty="0">
+                <a:solidFill>
+                  <a:srgbClr val="A31515"/>
+                </a:solidFill>
+                <a:latin typeface="+mj-lt"/>
+                <a:ea typeface="ＭＳ ゴシック" panose="020B0609070205080204" pitchFamily="49" charset="-128"/>
+              </a:rPr>
+              <a:t>" SP :"</a:t>
+            </a:r>
+            <a:r>
+              <a:rPr lang="en-US" altLang="ja-JP" sz="2400" dirty="0">
+                <a:solidFill>
+                  <a:srgbClr val="000000"/>
+                </a:solidFill>
+                <a:latin typeface="+mj-lt"/>
+                <a:ea typeface="ＭＳ ゴシック" panose="020B0609070205080204" pitchFamily="49" charset="-128"/>
+              </a:rPr>
+              <a:t> </a:t>
+            </a:r>
+            <a:r>
+              <a:rPr lang="en-US" altLang="ja-JP" sz="2400" dirty="0">
+                <a:solidFill>
+                  <a:srgbClr val="008080"/>
+                </a:solidFill>
+                <a:latin typeface="+mj-lt"/>
+                <a:ea typeface="ＭＳ ゴシック" panose="020B0609070205080204" pitchFamily="49" charset="-128"/>
+              </a:rPr>
+              <a:t>&lt;&lt;</a:t>
+            </a:r>
+            <a:r>
+              <a:rPr lang="en-US" altLang="ja-JP" sz="2400" dirty="0">
+                <a:solidFill>
+                  <a:srgbClr val="000000"/>
+                </a:solidFill>
+                <a:latin typeface="+mj-lt"/>
+                <a:ea typeface="ＭＳ ゴシック" panose="020B0609070205080204" pitchFamily="49" charset="-128"/>
+              </a:rPr>
+              <a:t> </a:t>
+            </a:r>
+            <a:r>
+              <a:rPr lang="en-US" altLang="ja-JP" sz="2400" dirty="0" err="1">
+                <a:solidFill>
+                  <a:srgbClr val="000000"/>
+                </a:solidFill>
+                <a:latin typeface="+mj-lt"/>
+                <a:ea typeface="ＭＳ ゴシック" panose="020B0609070205080204" pitchFamily="49" charset="-128"/>
+              </a:rPr>
+              <a:t>pPlayer</a:t>
+            </a:r>
+            <a:r>
+              <a:rPr lang="en-US" altLang="ja-JP" sz="2400" dirty="0">
+                <a:solidFill>
+                  <a:srgbClr val="000000"/>
+                </a:solidFill>
+                <a:latin typeface="+mj-lt"/>
+                <a:ea typeface="ＭＳ ゴシック" panose="020B0609070205080204" pitchFamily="49" charset="-128"/>
+              </a:rPr>
+              <a:t>[</a:t>
+            </a:r>
+            <a:r>
+              <a:rPr lang="en-US" altLang="ja-JP" sz="2400" dirty="0" err="1">
+                <a:solidFill>
+                  <a:srgbClr val="000000"/>
+                </a:solidFill>
+                <a:latin typeface="+mj-lt"/>
+                <a:ea typeface="ＭＳ ゴシック" panose="020B0609070205080204" pitchFamily="49" charset="-128"/>
+              </a:rPr>
+              <a:t>i</a:t>
+            </a:r>
+            <a:r>
+              <a:rPr lang="en-US" altLang="ja-JP" sz="2400" dirty="0">
+                <a:solidFill>
+                  <a:srgbClr val="000000"/>
+                </a:solidFill>
+                <a:latin typeface="+mj-lt"/>
+                <a:ea typeface="ＭＳ ゴシック" panose="020B0609070205080204" pitchFamily="49" charset="-128"/>
+              </a:rPr>
+              <a:t>]-&gt;</a:t>
+            </a:r>
+            <a:r>
+              <a:rPr lang="en-US" altLang="ja-JP" sz="2400" dirty="0" err="1">
+                <a:solidFill>
+                  <a:srgbClr val="000000"/>
+                </a:solidFill>
+                <a:latin typeface="+mj-lt"/>
+                <a:ea typeface="ＭＳ ゴシック" panose="020B0609070205080204" pitchFamily="49" charset="-128"/>
+              </a:rPr>
+              <a:t>getSp</a:t>
+            </a:r>
+            <a:r>
+              <a:rPr lang="en-US" altLang="ja-JP" sz="2400" dirty="0">
+                <a:solidFill>
+                  <a:srgbClr val="000000"/>
+                </a:solidFill>
+                <a:latin typeface="+mj-lt"/>
+                <a:ea typeface="ＭＳ ゴシック" panose="020B0609070205080204" pitchFamily="49" charset="-128"/>
+              </a:rPr>
+              <a:t>() </a:t>
+            </a:r>
+            <a:r>
+              <a:rPr lang="en-US" altLang="ja-JP" sz="2400" dirty="0">
+                <a:solidFill>
+                  <a:srgbClr val="008080"/>
+                </a:solidFill>
+                <a:latin typeface="+mj-lt"/>
+                <a:ea typeface="ＭＳ ゴシック" panose="020B0609070205080204" pitchFamily="49" charset="-128"/>
+              </a:rPr>
+              <a:t>&lt;&lt;</a:t>
+            </a:r>
+            <a:r>
+              <a:rPr lang="en-US" altLang="ja-JP" sz="2400" dirty="0">
+                <a:solidFill>
+                  <a:srgbClr val="000000"/>
+                </a:solidFill>
+                <a:latin typeface="+mj-lt"/>
+                <a:ea typeface="ＭＳ ゴシック" panose="020B0609070205080204" pitchFamily="49" charset="-128"/>
+              </a:rPr>
+              <a:t> </a:t>
+            </a:r>
+            <a:r>
+              <a:rPr lang="en-US" altLang="ja-JP" sz="2400" dirty="0" err="1">
+                <a:solidFill>
+                  <a:srgbClr val="000000"/>
+                </a:solidFill>
+                <a:latin typeface="+mj-lt"/>
+                <a:ea typeface="ＭＳ ゴシック" panose="020B0609070205080204" pitchFamily="49" charset="-128"/>
+              </a:rPr>
+              <a:t>endl</a:t>
+            </a:r>
+            <a:endParaRPr lang="en-US" altLang="ja-JP" sz="2400" dirty="0">
+              <a:solidFill>
+                <a:srgbClr val="000000"/>
+              </a:solidFill>
+              <a:latin typeface="+mj-lt"/>
+              <a:ea typeface="ＭＳ ゴシック" panose="020B0609070205080204" pitchFamily="49" charset="-128"/>
+            </a:endParaRPr>
+          </a:p>
+          <a:p>
+            <a:r>
+              <a:rPr lang="en-US" altLang="ja-JP" sz="2400" dirty="0">
+                <a:solidFill>
+                  <a:srgbClr val="008080"/>
+                </a:solidFill>
+                <a:latin typeface="+mj-lt"/>
+                <a:ea typeface="ＭＳ ゴシック" panose="020B0609070205080204" pitchFamily="49" charset="-128"/>
+              </a:rPr>
+              <a:t>				&lt;&lt;</a:t>
+            </a:r>
+            <a:r>
+              <a:rPr lang="en-US" altLang="ja-JP" sz="2400" dirty="0">
+                <a:solidFill>
+                  <a:srgbClr val="000000"/>
+                </a:solidFill>
+                <a:latin typeface="+mj-lt"/>
+                <a:ea typeface="ＭＳ ゴシック" panose="020B0609070205080204" pitchFamily="49" charset="-128"/>
+              </a:rPr>
+              <a:t> </a:t>
+            </a:r>
+            <a:r>
+              <a:rPr lang="en-US" altLang="ja-JP" sz="2400" dirty="0">
+                <a:solidFill>
+                  <a:srgbClr val="A31515"/>
+                </a:solidFill>
+                <a:latin typeface="+mj-lt"/>
+                <a:ea typeface="ＭＳ ゴシック" panose="020B0609070205080204" pitchFamily="49" charset="-128"/>
+              </a:rPr>
+              <a:t>" </a:t>
+            </a:r>
+            <a:r>
+              <a:rPr lang="en-US" altLang="ja-JP" sz="2400" dirty="0" err="1">
+                <a:solidFill>
+                  <a:srgbClr val="A31515"/>
+                </a:solidFill>
+                <a:latin typeface="+mj-lt"/>
+                <a:ea typeface="ＭＳ ゴシック" panose="020B0609070205080204" pitchFamily="49" charset="-128"/>
+              </a:rPr>
+              <a:t>Atk</a:t>
+            </a:r>
+            <a:r>
+              <a:rPr lang="en-US" altLang="ja-JP" sz="2400" dirty="0">
+                <a:solidFill>
+                  <a:srgbClr val="A31515"/>
+                </a:solidFill>
+                <a:latin typeface="+mj-lt"/>
+                <a:ea typeface="ＭＳ ゴシック" panose="020B0609070205080204" pitchFamily="49" charset="-128"/>
+              </a:rPr>
+              <a:t>:"</a:t>
+            </a:r>
+            <a:r>
+              <a:rPr lang="en-US" altLang="ja-JP" sz="2400" dirty="0">
+                <a:solidFill>
+                  <a:srgbClr val="000000"/>
+                </a:solidFill>
+                <a:latin typeface="+mj-lt"/>
+                <a:ea typeface="ＭＳ ゴシック" panose="020B0609070205080204" pitchFamily="49" charset="-128"/>
+              </a:rPr>
+              <a:t> </a:t>
+            </a:r>
+            <a:r>
+              <a:rPr lang="en-US" altLang="ja-JP" sz="2400" dirty="0">
+                <a:solidFill>
+                  <a:srgbClr val="008080"/>
+                </a:solidFill>
+                <a:latin typeface="+mj-lt"/>
+                <a:ea typeface="ＭＳ ゴシック" panose="020B0609070205080204" pitchFamily="49" charset="-128"/>
+              </a:rPr>
+              <a:t>&lt;&lt;</a:t>
+            </a:r>
+            <a:r>
+              <a:rPr lang="en-US" altLang="ja-JP" sz="2400" dirty="0">
+                <a:solidFill>
+                  <a:srgbClr val="000000"/>
+                </a:solidFill>
+                <a:latin typeface="+mj-lt"/>
+                <a:ea typeface="ＭＳ ゴシック" panose="020B0609070205080204" pitchFamily="49" charset="-128"/>
+              </a:rPr>
+              <a:t> </a:t>
+            </a:r>
+            <a:r>
+              <a:rPr lang="en-US" altLang="ja-JP" sz="2400" dirty="0" err="1">
+                <a:solidFill>
+                  <a:srgbClr val="000000"/>
+                </a:solidFill>
+                <a:latin typeface="+mj-lt"/>
+                <a:ea typeface="ＭＳ ゴシック" panose="020B0609070205080204" pitchFamily="49" charset="-128"/>
+              </a:rPr>
+              <a:t>pPlayer</a:t>
+            </a:r>
+            <a:r>
+              <a:rPr lang="en-US" altLang="ja-JP" sz="2400" dirty="0">
+                <a:solidFill>
+                  <a:srgbClr val="000000"/>
+                </a:solidFill>
+                <a:latin typeface="+mj-lt"/>
+                <a:ea typeface="ＭＳ ゴシック" panose="020B0609070205080204" pitchFamily="49" charset="-128"/>
+              </a:rPr>
+              <a:t>[</a:t>
+            </a:r>
+            <a:r>
+              <a:rPr lang="en-US" altLang="ja-JP" sz="2400" dirty="0" err="1">
+                <a:solidFill>
+                  <a:srgbClr val="000000"/>
+                </a:solidFill>
+                <a:latin typeface="+mj-lt"/>
+                <a:ea typeface="ＭＳ ゴシック" panose="020B0609070205080204" pitchFamily="49" charset="-128"/>
+              </a:rPr>
+              <a:t>i</a:t>
+            </a:r>
+            <a:r>
+              <a:rPr lang="en-US" altLang="ja-JP" sz="2400" dirty="0">
+                <a:solidFill>
+                  <a:srgbClr val="000000"/>
+                </a:solidFill>
+                <a:latin typeface="+mj-lt"/>
+                <a:ea typeface="ＭＳ ゴシック" panose="020B0609070205080204" pitchFamily="49" charset="-128"/>
+              </a:rPr>
+              <a:t>]-&gt;</a:t>
+            </a:r>
+            <a:r>
+              <a:rPr lang="en-US" altLang="ja-JP" sz="2400" dirty="0" err="1">
+                <a:solidFill>
+                  <a:srgbClr val="000000"/>
+                </a:solidFill>
+                <a:latin typeface="+mj-lt"/>
+                <a:ea typeface="ＭＳ ゴシック" panose="020B0609070205080204" pitchFamily="49" charset="-128"/>
+              </a:rPr>
+              <a:t>getAtk</a:t>
+            </a:r>
+            <a:r>
+              <a:rPr lang="en-US" altLang="ja-JP" sz="2400" dirty="0">
+                <a:solidFill>
+                  <a:srgbClr val="000000"/>
+                </a:solidFill>
+                <a:latin typeface="+mj-lt"/>
+                <a:ea typeface="ＭＳ ゴシック" panose="020B0609070205080204" pitchFamily="49" charset="-128"/>
+              </a:rPr>
+              <a:t>() </a:t>
+            </a:r>
+            <a:r>
+              <a:rPr lang="en-US" altLang="ja-JP" sz="2400" dirty="0">
+                <a:solidFill>
+                  <a:srgbClr val="008080"/>
+                </a:solidFill>
+                <a:latin typeface="+mj-lt"/>
+                <a:ea typeface="ＭＳ ゴシック" panose="020B0609070205080204" pitchFamily="49" charset="-128"/>
+              </a:rPr>
+              <a:t>&lt;&lt;</a:t>
+            </a:r>
+            <a:r>
+              <a:rPr lang="en-US" altLang="ja-JP" sz="2400" dirty="0">
+                <a:solidFill>
+                  <a:srgbClr val="000000"/>
+                </a:solidFill>
+                <a:latin typeface="+mj-lt"/>
+                <a:ea typeface="ＭＳ ゴシック" panose="020B0609070205080204" pitchFamily="49" charset="-128"/>
+              </a:rPr>
+              <a:t> </a:t>
+            </a:r>
+            <a:r>
+              <a:rPr lang="en-US" altLang="ja-JP" sz="2400" dirty="0" err="1">
+                <a:solidFill>
+                  <a:srgbClr val="000000"/>
+                </a:solidFill>
+                <a:latin typeface="+mj-lt"/>
+                <a:ea typeface="ＭＳ ゴシック" panose="020B0609070205080204" pitchFamily="49" charset="-128"/>
+              </a:rPr>
+              <a:t>endl</a:t>
+            </a:r>
+            <a:endParaRPr lang="en-US" altLang="ja-JP" sz="2400" dirty="0">
+              <a:solidFill>
+                <a:srgbClr val="000000"/>
+              </a:solidFill>
+              <a:latin typeface="+mj-lt"/>
+              <a:ea typeface="ＭＳ ゴシック" panose="020B0609070205080204" pitchFamily="49" charset="-128"/>
+            </a:endParaRPr>
+          </a:p>
+          <a:p>
+            <a:r>
+              <a:rPr lang="en-US" altLang="ja-JP" sz="2400" dirty="0">
+                <a:solidFill>
+                  <a:srgbClr val="008080"/>
+                </a:solidFill>
+                <a:latin typeface="+mj-lt"/>
+                <a:ea typeface="ＭＳ ゴシック" panose="020B0609070205080204" pitchFamily="49" charset="-128"/>
+              </a:rPr>
+              <a:t>				&lt;&lt;</a:t>
+            </a:r>
+            <a:r>
+              <a:rPr lang="en-US" altLang="ja-JP" sz="2400" dirty="0">
+                <a:solidFill>
+                  <a:srgbClr val="000000"/>
+                </a:solidFill>
+                <a:latin typeface="+mj-lt"/>
+                <a:ea typeface="ＭＳ ゴシック" panose="020B0609070205080204" pitchFamily="49" charset="-128"/>
+              </a:rPr>
+              <a:t> </a:t>
+            </a:r>
+            <a:r>
+              <a:rPr lang="en-US" altLang="ja-JP" sz="2400" dirty="0">
+                <a:solidFill>
+                  <a:srgbClr val="A31515"/>
+                </a:solidFill>
+                <a:latin typeface="+mj-lt"/>
+                <a:ea typeface="ＭＳ ゴシック" panose="020B0609070205080204" pitchFamily="49" charset="-128"/>
+              </a:rPr>
+              <a:t>" Def:"</a:t>
+            </a:r>
+            <a:r>
+              <a:rPr lang="en-US" altLang="ja-JP" sz="2400" dirty="0">
+                <a:solidFill>
+                  <a:srgbClr val="000000"/>
+                </a:solidFill>
+                <a:latin typeface="+mj-lt"/>
+                <a:ea typeface="ＭＳ ゴシック" panose="020B0609070205080204" pitchFamily="49" charset="-128"/>
+              </a:rPr>
+              <a:t> </a:t>
+            </a:r>
+            <a:r>
+              <a:rPr lang="en-US" altLang="ja-JP" sz="2400" dirty="0">
+                <a:solidFill>
+                  <a:srgbClr val="008080"/>
+                </a:solidFill>
+                <a:latin typeface="+mj-lt"/>
+                <a:ea typeface="ＭＳ ゴシック" panose="020B0609070205080204" pitchFamily="49" charset="-128"/>
+              </a:rPr>
+              <a:t>&lt;&lt;</a:t>
+            </a:r>
+            <a:r>
+              <a:rPr lang="en-US" altLang="ja-JP" sz="2400" dirty="0">
+                <a:solidFill>
+                  <a:srgbClr val="000000"/>
+                </a:solidFill>
+                <a:latin typeface="+mj-lt"/>
+                <a:ea typeface="ＭＳ ゴシック" panose="020B0609070205080204" pitchFamily="49" charset="-128"/>
+              </a:rPr>
+              <a:t> </a:t>
+            </a:r>
+            <a:r>
+              <a:rPr lang="en-US" altLang="ja-JP" sz="2400" dirty="0" err="1">
+                <a:solidFill>
+                  <a:srgbClr val="000000"/>
+                </a:solidFill>
+                <a:latin typeface="+mj-lt"/>
+                <a:ea typeface="ＭＳ ゴシック" panose="020B0609070205080204" pitchFamily="49" charset="-128"/>
+              </a:rPr>
+              <a:t>pPlayer</a:t>
+            </a:r>
+            <a:r>
+              <a:rPr lang="en-US" altLang="ja-JP" sz="2400" dirty="0">
+                <a:solidFill>
+                  <a:srgbClr val="000000"/>
+                </a:solidFill>
+                <a:latin typeface="+mj-lt"/>
+                <a:ea typeface="ＭＳ ゴシック" panose="020B0609070205080204" pitchFamily="49" charset="-128"/>
+              </a:rPr>
+              <a:t>[</a:t>
+            </a:r>
+            <a:r>
+              <a:rPr lang="en-US" altLang="ja-JP" sz="2400" dirty="0" err="1">
+                <a:solidFill>
+                  <a:srgbClr val="000000"/>
+                </a:solidFill>
+                <a:latin typeface="+mj-lt"/>
+                <a:ea typeface="ＭＳ ゴシック" panose="020B0609070205080204" pitchFamily="49" charset="-128"/>
+              </a:rPr>
+              <a:t>i</a:t>
+            </a:r>
+            <a:r>
+              <a:rPr lang="en-US" altLang="ja-JP" sz="2400" dirty="0">
+                <a:solidFill>
+                  <a:srgbClr val="000000"/>
+                </a:solidFill>
+                <a:latin typeface="+mj-lt"/>
+                <a:ea typeface="ＭＳ ゴシック" panose="020B0609070205080204" pitchFamily="49" charset="-128"/>
+              </a:rPr>
+              <a:t>]-&gt;</a:t>
+            </a:r>
+            <a:r>
+              <a:rPr lang="en-US" altLang="ja-JP" sz="2400" dirty="0" err="1">
+                <a:solidFill>
+                  <a:srgbClr val="000000"/>
+                </a:solidFill>
+                <a:latin typeface="+mj-lt"/>
+                <a:ea typeface="ＭＳ ゴシック" panose="020B0609070205080204" pitchFamily="49" charset="-128"/>
+              </a:rPr>
+              <a:t>getDef</a:t>
+            </a:r>
+            <a:r>
+              <a:rPr lang="en-US" altLang="ja-JP" sz="2400" dirty="0">
+                <a:solidFill>
+                  <a:srgbClr val="000000"/>
+                </a:solidFill>
+                <a:latin typeface="+mj-lt"/>
+                <a:ea typeface="ＭＳ ゴシック" panose="020B0609070205080204" pitchFamily="49" charset="-128"/>
+              </a:rPr>
+              <a:t>() </a:t>
+            </a:r>
+            <a:r>
+              <a:rPr lang="en-US" altLang="ja-JP" sz="2400" dirty="0">
+                <a:solidFill>
+                  <a:srgbClr val="008080"/>
+                </a:solidFill>
+                <a:latin typeface="+mj-lt"/>
+                <a:ea typeface="ＭＳ ゴシック" panose="020B0609070205080204" pitchFamily="49" charset="-128"/>
+              </a:rPr>
+              <a:t>&lt;&lt;</a:t>
+            </a:r>
+            <a:r>
+              <a:rPr lang="en-US" altLang="ja-JP" sz="2400" dirty="0">
+                <a:solidFill>
+                  <a:srgbClr val="000000"/>
+                </a:solidFill>
+                <a:latin typeface="+mj-lt"/>
+                <a:ea typeface="ＭＳ ゴシック" panose="020B0609070205080204" pitchFamily="49" charset="-128"/>
+              </a:rPr>
+              <a:t> </a:t>
+            </a:r>
+            <a:r>
+              <a:rPr lang="en-US" altLang="ja-JP" sz="2400" dirty="0" err="1">
+                <a:solidFill>
+                  <a:srgbClr val="000000"/>
+                </a:solidFill>
+                <a:latin typeface="+mj-lt"/>
+                <a:ea typeface="ＭＳ ゴシック" panose="020B0609070205080204" pitchFamily="49" charset="-128"/>
+              </a:rPr>
+              <a:t>endl</a:t>
+            </a:r>
+            <a:r>
+              <a:rPr lang="en-US" altLang="ja-JP" sz="2400" dirty="0">
+                <a:solidFill>
+                  <a:srgbClr val="000000"/>
+                </a:solidFill>
+                <a:latin typeface="+mj-lt"/>
+                <a:ea typeface="ＭＳ ゴシック" panose="020B0609070205080204" pitchFamily="49" charset="-128"/>
+              </a:rPr>
+              <a:t>;</a:t>
+            </a:r>
+            <a:br>
+              <a:rPr lang="en-US" altLang="ja-JP" sz="2400" dirty="0">
+                <a:solidFill>
+                  <a:srgbClr val="000000"/>
+                </a:solidFill>
+                <a:latin typeface="+mj-lt"/>
+                <a:ea typeface="ＭＳ ゴシック" panose="020B0609070205080204" pitchFamily="49" charset="-128"/>
+              </a:rPr>
+            </a:br>
+            <a:r>
+              <a:rPr lang="en-US" altLang="ja-JP" sz="2400" dirty="0">
+                <a:solidFill>
+                  <a:srgbClr val="000000"/>
+                </a:solidFill>
+                <a:latin typeface="+mj-lt"/>
+                <a:ea typeface="ＭＳ ゴシック" panose="020B0609070205080204" pitchFamily="49" charset="-128"/>
+              </a:rPr>
+              <a:t>	}</a:t>
+            </a:r>
+            <a:br>
+              <a:rPr lang="en-US" altLang="ja-JP" sz="2400" dirty="0">
+                <a:solidFill>
+                  <a:srgbClr val="000000"/>
+                </a:solidFill>
+                <a:latin typeface="+mj-lt"/>
+                <a:ea typeface="ＭＳ ゴシック" panose="020B0609070205080204" pitchFamily="49" charset="-128"/>
+              </a:rPr>
+            </a:br>
+            <a:r>
+              <a:rPr lang="en-US" altLang="ja-JP" sz="2400" dirty="0">
+                <a:solidFill>
+                  <a:srgbClr val="000000"/>
+                </a:solidFill>
+                <a:latin typeface="+mj-lt"/>
+                <a:ea typeface="ＭＳ ゴシック" panose="020B0609070205080204" pitchFamily="49" charset="-128"/>
+              </a:rPr>
+              <a:t>	auto </a:t>
+            </a:r>
+            <a:r>
+              <a:rPr lang="en-US" altLang="ja-JP" sz="2400" dirty="0" err="1">
+                <a:solidFill>
+                  <a:srgbClr val="000000"/>
+                </a:solidFill>
+                <a:latin typeface="+mj-lt"/>
+                <a:ea typeface="ＭＳ ゴシック" panose="020B0609070205080204" pitchFamily="49" charset="-128"/>
+              </a:rPr>
+              <a:t>itr</a:t>
+            </a:r>
+            <a:r>
+              <a:rPr lang="en-US" altLang="ja-JP" sz="2400" dirty="0">
+                <a:solidFill>
+                  <a:srgbClr val="000000"/>
+                </a:solidFill>
+                <a:latin typeface="+mj-lt"/>
+                <a:ea typeface="ＭＳ ゴシック" panose="020B0609070205080204" pitchFamily="49" charset="-128"/>
+              </a:rPr>
+              <a:t> = </a:t>
+            </a:r>
+            <a:r>
+              <a:rPr lang="en-US" altLang="ja-JP" sz="2400" dirty="0" err="1">
+                <a:solidFill>
+                  <a:srgbClr val="000000"/>
+                </a:solidFill>
+                <a:latin typeface="+mj-lt"/>
+                <a:ea typeface="ＭＳ ゴシック" panose="020B0609070205080204" pitchFamily="49" charset="-128"/>
+              </a:rPr>
+              <a:t>pPlayer.begin</a:t>
+            </a:r>
+            <a:r>
+              <a:rPr lang="en-US" altLang="ja-JP" sz="2400" dirty="0">
+                <a:solidFill>
+                  <a:srgbClr val="000000"/>
+                </a:solidFill>
+                <a:latin typeface="+mj-lt"/>
+                <a:ea typeface="ＭＳ ゴシック" panose="020B0609070205080204" pitchFamily="49" charset="-128"/>
+              </a:rPr>
+              <a:t>();</a:t>
+            </a:r>
+          </a:p>
+          <a:p>
+            <a:r>
+              <a:rPr lang="en-US" altLang="ja-JP" sz="2400" dirty="0">
+                <a:solidFill>
+                  <a:srgbClr val="000000"/>
+                </a:solidFill>
+                <a:latin typeface="+mj-lt"/>
+                <a:ea typeface="ＭＳ ゴシック" panose="020B0609070205080204" pitchFamily="49" charset="-128"/>
+              </a:rPr>
+              <a:t>	while( </a:t>
+            </a:r>
+            <a:r>
+              <a:rPr lang="en-US" altLang="ja-JP" sz="2400" dirty="0" err="1">
+                <a:solidFill>
+                  <a:srgbClr val="000000"/>
+                </a:solidFill>
+                <a:latin typeface="+mj-lt"/>
+                <a:ea typeface="ＭＳ ゴシック" panose="020B0609070205080204" pitchFamily="49" charset="-128"/>
+              </a:rPr>
+              <a:t>itr</a:t>
+            </a:r>
+            <a:r>
+              <a:rPr lang="en-US" altLang="ja-JP" sz="2400" dirty="0">
+                <a:solidFill>
+                  <a:srgbClr val="000000"/>
+                </a:solidFill>
+                <a:latin typeface="+mj-lt"/>
+                <a:ea typeface="ＭＳ ゴシック" panose="020B0609070205080204" pitchFamily="49" charset="-128"/>
+              </a:rPr>
+              <a:t> != </a:t>
+            </a:r>
+            <a:r>
+              <a:rPr lang="en-US" altLang="ja-JP" sz="2400" dirty="0" err="1">
+                <a:solidFill>
+                  <a:srgbClr val="000000"/>
+                </a:solidFill>
+                <a:latin typeface="+mj-lt"/>
+                <a:ea typeface="ＭＳ ゴシック" panose="020B0609070205080204" pitchFamily="49" charset="-128"/>
+              </a:rPr>
+              <a:t>pPlayer.end</a:t>
+            </a:r>
+            <a:r>
+              <a:rPr lang="en-US" altLang="ja-JP" sz="2400" dirty="0">
+                <a:solidFill>
+                  <a:srgbClr val="000000"/>
+                </a:solidFill>
+                <a:latin typeface="+mj-lt"/>
+                <a:ea typeface="ＭＳ ゴシック" panose="020B0609070205080204" pitchFamily="49" charset="-128"/>
+              </a:rPr>
+              <a:t>() ){</a:t>
+            </a:r>
+            <a:br>
+              <a:rPr lang="en-US" altLang="ja-JP" sz="2400" dirty="0">
+                <a:solidFill>
+                  <a:srgbClr val="000000"/>
+                </a:solidFill>
+                <a:latin typeface="+mj-lt"/>
+                <a:ea typeface="ＭＳ ゴシック" panose="020B0609070205080204" pitchFamily="49" charset="-128"/>
+              </a:rPr>
+            </a:br>
+            <a:r>
+              <a:rPr lang="en-US" altLang="ja-JP" sz="2400" dirty="0">
+                <a:solidFill>
+                  <a:srgbClr val="000000"/>
+                </a:solidFill>
+                <a:latin typeface="+mj-lt"/>
+                <a:ea typeface="ＭＳ ゴシック" panose="020B0609070205080204" pitchFamily="49" charset="-128"/>
+              </a:rPr>
               <a:t>		delete *</a:t>
             </a:r>
             <a:r>
@@ -10963,7 +12558,7 @@
 </p:sld>
 </file>
 
-<file path=ppt/slides/slide15.xml><?xml version="1.0" encoding="utf-8"?>
+<file path=ppt/slides/slide16.xml><?xml version="1.0" encoding="utf-8"?>
 <p:sld xmlns:a="http://schemas.openxmlformats.org/drawingml/2006/main" xmlns:r="http://schemas.openxmlformats.org/officeDocument/2006/relationships" xmlns:p="http://schemas.openxmlformats.org/presentationml/2006/main">
   <p:cSld>
     <p:spTree>
